--- a/Documents/Poster.pptx
+++ b/Documents/Poster.pptx
@@ -2816,7 +2816,7 @@
         </p:nvSpPr>
         <p:spPr>
           <a:xfrm>
-            <a:off x="684234" y="16670361"/>
+            <a:off x="684234" y="16775868"/>
             <a:ext cx="7539953" cy="9910405"/>
           </a:xfrm>
           <a:prstGeom prst="rect">
@@ -3368,10 +3368,10 @@
         </p:nvGrpSpPr>
         <p:grpSpPr>
           <a:xfrm>
-            <a:off x="1623085" y="17745418"/>
-            <a:ext cx="2644346" cy="6061383"/>
-            <a:chOff x="12285766" y="13870929"/>
-            <a:chExt cx="2644346" cy="6061383"/>
+            <a:off x="1623085" y="17801228"/>
+            <a:ext cx="2644346" cy="6111080"/>
+            <a:chOff x="12285766" y="13821232"/>
+            <a:chExt cx="2644346" cy="6111080"/>
           </a:xfrm>
         </p:grpSpPr>
         <p:grpSp>
@@ -5074,7 +5074,7 @@
           </p:nvSpPr>
           <p:spPr>
             <a:xfrm>
-              <a:off x="12490666" y="13870929"/>
+              <a:off x="12490666" y="13821232"/>
               <a:ext cx="1511952" cy="246221"/>
             </a:xfrm>
             <a:prstGeom prst="rect">
@@ -6280,7 +6280,7 @@
         </p:nvCxnSpPr>
         <p:spPr>
           <a:xfrm>
-            <a:off x="1197946" y="27481752"/>
+            <a:off x="1197946" y="27587259"/>
             <a:ext cx="19295011" cy="0"/>
           </a:xfrm>
           <a:prstGeom prst="line">
@@ -6339,18 +6339,18 @@
           <a:p>
             <a:pPr algn="ctr"/>
             <a:r>
-              <a:rPr lang="en-US" altLang="ko-KR" sz="2400" dirty="0">
-                <a:solidFill>
-                  <a:srgbClr val="00B0F0"/>
+              <a:rPr lang="en-US" altLang="ko-KR" sz="2400" b="1" dirty="0">
+                <a:solidFill>
+                  <a:srgbClr val="0DA2F1"/>
                 </a:solidFill>
                 <a:latin typeface="Nanum Gothic" panose="020D0604000000000000" pitchFamily="34" charset="-127"/>
                 <a:ea typeface="Nanum Gothic" panose="020D0604000000000000" pitchFamily="34" charset="-127"/>
               </a:rPr>
               <a:t>http://www.skile.me:3000/</a:t>
             </a:r>
-            <a:endParaRPr kumimoji="1" lang="ko-KR" altLang="en-US" sz="2400" dirty="0">
+            <a:endParaRPr kumimoji="1" lang="ko-KR" altLang="en-US" sz="2400" b="1" dirty="0">
               <a:solidFill>
-                <a:srgbClr val="00B0F0"/>
+                <a:srgbClr val="0DA2F1"/>
               </a:solidFill>
               <a:latin typeface="Nanum Gothic" panose="020D0604000000000000" pitchFamily="34" charset="-127"/>
               <a:ea typeface="Nanum Gothic" panose="020D0604000000000000" pitchFamily="34" charset="-127"/>
@@ -6372,10 +6372,10 @@
         </p:nvGrpSpPr>
         <p:grpSpPr>
           <a:xfrm>
-            <a:off x="1779673" y="4460395"/>
-            <a:ext cx="2576549" cy="3580583"/>
+            <a:off x="1779673" y="4462091"/>
+            <a:ext cx="2575429" cy="3580583"/>
             <a:chOff x="1602091" y="4261610"/>
-            <a:chExt cx="2576549" cy="3580583"/>
+            <a:chExt cx="2575429" cy="3580583"/>
           </a:xfrm>
         </p:grpSpPr>
         <p:grpSp>
@@ -6392,10 +6392,10 @@
           </p:nvGrpSpPr>
           <p:grpSpPr>
             <a:xfrm>
-              <a:off x="1602381" y="4454757"/>
-              <a:ext cx="2576259" cy="3387436"/>
-              <a:chOff x="-602329" y="3689812"/>
-              <a:chExt cx="2576259" cy="3387436"/>
+              <a:off x="1602382" y="4454757"/>
+              <a:ext cx="2575138" cy="3387436"/>
+              <a:chOff x="-602328" y="3689812"/>
+              <a:chExt cx="2575138" cy="3387436"/>
             </a:xfrm>
           </p:grpSpPr>
           <p:grpSp>
@@ -7009,15 +7009,15 @@
             </p:nvSpPr>
             <p:spPr>
               <a:xfrm>
-                <a:off x="-602329" y="3689812"/>
-                <a:ext cx="2576259" cy="3387436"/>
+                <a:off x="-602328" y="3689812"/>
+                <a:ext cx="2575138" cy="3387436"/>
               </a:xfrm>
               <a:prstGeom prst="rect">
                 <a:avLst/>
               </a:prstGeom>
               <a:solidFill>
                 <a:srgbClr val="F6F6F6">
-                  <a:alpha val="50000"/>
+                  <a:alpha val="40000"/>
                 </a:srgbClr>
               </a:solidFill>
               <a:ln>
@@ -8488,9 +8488,9 @@
         <p:grpSpPr>
           <a:xfrm>
             <a:off x="4687045" y="11176824"/>
-            <a:ext cx="2585545" cy="4277387"/>
+            <a:ext cx="2598175" cy="4277387"/>
             <a:chOff x="4953418" y="9782993"/>
-            <a:chExt cx="2585545" cy="4277387"/>
+            <a:chExt cx="2598175" cy="4277387"/>
           </a:xfrm>
         </p:grpSpPr>
         <p:grpSp>
@@ -8508,9 +8508,9 @@
           <p:grpSpPr>
             <a:xfrm>
               <a:off x="4953418" y="9992877"/>
-              <a:ext cx="2585545" cy="4067503"/>
+              <a:ext cx="2598175" cy="4067503"/>
               <a:chOff x="5408885" y="7776012"/>
-              <a:chExt cx="2585545" cy="4067503"/>
+              <a:chExt cx="2598175" cy="4067503"/>
             </a:xfrm>
           </p:grpSpPr>
           <p:grpSp>
@@ -9244,7 +9244,7 @@
             <p:spPr>
               <a:xfrm>
                 <a:off x="5408885" y="7776012"/>
-                <a:ext cx="2585545" cy="4067503"/>
+                <a:ext cx="2598175" cy="4067503"/>
               </a:xfrm>
               <a:prstGeom prst="rect">
                 <a:avLst/>
@@ -9350,9 +9350,9 @@
         <p:grpSpPr>
           <a:xfrm>
             <a:off x="1864994" y="11176824"/>
-            <a:ext cx="2585545" cy="4258009"/>
+            <a:ext cx="2669836" cy="4258009"/>
             <a:chOff x="2183050" y="9782993"/>
-            <a:chExt cx="2585545" cy="4258009"/>
+            <a:chExt cx="2669836" cy="4258009"/>
           </a:xfrm>
         </p:grpSpPr>
         <p:grpSp>
@@ -9370,9 +9370,9 @@
           <p:grpSpPr>
             <a:xfrm>
               <a:off x="2183050" y="9973499"/>
-              <a:ext cx="2585545" cy="4067503"/>
+              <a:ext cx="2669836" cy="4067503"/>
               <a:chOff x="2711669" y="7756634"/>
-              <a:chExt cx="2585545" cy="4067503"/>
+              <a:chExt cx="2669836" cy="4067503"/>
             </a:xfrm>
           </p:grpSpPr>
           <p:grpSp>
@@ -9992,7 +9992,7 @@
             <p:spPr>
               <a:xfrm>
                 <a:off x="2711669" y="7756634"/>
-                <a:ext cx="2585545" cy="4067503"/>
+                <a:ext cx="2669836" cy="4067503"/>
               </a:xfrm>
               <a:prstGeom prst="rect">
                 <a:avLst/>
@@ -13474,7 +13474,7 @@
         </p:nvGrpSpPr>
         <p:grpSpPr>
           <a:xfrm>
-            <a:off x="4547524" y="17665904"/>
+            <a:off x="4547524" y="17801228"/>
             <a:ext cx="2644346" cy="6115500"/>
             <a:chOff x="9372409" y="13870929"/>
             <a:chExt cx="2644346" cy="6115500"/>
@@ -15240,7 +15240,7 @@
         </p:nvGrpSpPr>
         <p:grpSpPr>
           <a:xfrm>
-            <a:off x="11173890" y="20807626"/>
+            <a:off x="10998045" y="21436610"/>
             <a:ext cx="2504236" cy="5655994"/>
             <a:chOff x="5848049" y="14494046"/>
             <a:chExt cx="2504236" cy="5655994"/>
@@ -16008,7 +16008,7 @@
         </p:nvGrpSpPr>
         <p:grpSpPr>
           <a:xfrm>
-            <a:off x="14137976" y="20807626"/>
+            <a:off x="13997300" y="21436610"/>
             <a:ext cx="2431983" cy="3705922"/>
             <a:chOff x="2773363" y="15680634"/>
             <a:chExt cx="2431983" cy="3705922"/>
@@ -16558,7 +16558,7 @@
         </p:nvGrpSpPr>
         <p:grpSpPr>
           <a:xfrm>
-            <a:off x="17171258" y="17189165"/>
+            <a:off x="17171258" y="17294672"/>
             <a:ext cx="2403951" cy="2701426"/>
             <a:chOff x="15288708" y="13169633"/>
             <a:chExt cx="2403951" cy="2701426"/>
@@ -17199,7 +17199,7 @@
         </p:nvGrpSpPr>
         <p:grpSpPr>
           <a:xfrm>
-            <a:off x="17110135" y="20016599"/>
+            <a:off x="17110135" y="20122106"/>
             <a:ext cx="2571428" cy="5702890"/>
             <a:chOff x="17765128" y="13169633"/>
             <a:chExt cx="2571428" cy="5702890"/>
@@ -19160,7 +19160,7 @@
         </p:nvGrpSpPr>
         <p:grpSpPr>
           <a:xfrm>
-            <a:off x="8239757" y="20824071"/>
+            <a:off x="8028743" y="21453055"/>
             <a:ext cx="2418111" cy="5548939"/>
             <a:chOff x="15213280" y="17034913"/>
             <a:chExt cx="2418111" cy="5548939"/>
@@ -20973,6 +20973,1646 @@
           </a:p>
         </p:txBody>
       </p:sp>
+      <p:sp>
+        <p:nvSpPr>
+          <p:cNvPr id="383" name="직사각형 382">
+            <a:extLst>
+              <a:ext uri="{FF2B5EF4-FFF2-40B4-BE49-F238E27FC236}">
+                <a16:creationId xmlns:a16="http://schemas.microsoft.com/office/drawing/2014/main" id="{346120C9-2B23-124E-8A21-5162437164DD}"/>
+              </a:ext>
+            </a:extLst>
+          </p:cNvPr>
+          <p:cNvSpPr/>
+          <p:nvPr/>
+        </p:nvSpPr>
+        <p:spPr>
+          <a:xfrm>
+            <a:off x="7660352" y="16905713"/>
+            <a:ext cx="9304582" cy="4247317"/>
+          </a:xfrm>
+          <a:prstGeom prst="rect">
+            <a:avLst/>
+          </a:prstGeom>
+        </p:spPr>
+        <p:txBody>
+          <a:bodyPr wrap="square">
+            <a:spAutoFit/>
+          </a:bodyPr>
+          <a:lstStyle/>
+          <a:p>
+            <a:r>
+              <a:rPr lang="ko-KR" altLang="en-US" sz="2800" b="1" dirty="0">
+                <a:solidFill>
+                  <a:prstClr val="black">
+                    <a:lumMod val="65000"/>
+                    <a:lumOff val="35000"/>
+                  </a:prstClr>
+                </a:solidFill>
+                <a:latin typeface="Nanum Gothic" panose="020D0604000000000000" pitchFamily="34" charset="-127"/>
+                <a:ea typeface="Nanum Gothic" panose="020D0604000000000000" pitchFamily="34" charset="-127"/>
+              </a:rPr>
+              <a:t>시간</a:t>
+            </a:r>
+            <a:r>
+              <a:rPr lang="en-US" altLang="ko-KR" sz="2800" b="1" dirty="0">
+                <a:solidFill>
+                  <a:prstClr val="black">
+                    <a:lumMod val="65000"/>
+                    <a:lumOff val="35000"/>
+                  </a:prstClr>
+                </a:solidFill>
+                <a:latin typeface="Nanum Gothic" panose="020D0604000000000000" pitchFamily="34" charset="-127"/>
+                <a:ea typeface="Nanum Gothic" panose="020D0604000000000000" pitchFamily="34" charset="-127"/>
+              </a:rPr>
+              <a:t> </a:t>
+            </a:r>
+            <a:r>
+              <a:rPr lang="ko-KR" altLang="en-US" sz="2800" b="1" dirty="0">
+                <a:solidFill>
+                  <a:prstClr val="black">
+                    <a:lumMod val="65000"/>
+                    <a:lumOff val="35000"/>
+                  </a:prstClr>
+                </a:solidFill>
+                <a:latin typeface="Nanum Gothic" panose="020D0604000000000000" pitchFamily="34" charset="-127"/>
+                <a:ea typeface="Nanum Gothic" panose="020D0604000000000000" pitchFamily="34" charset="-127"/>
+              </a:rPr>
+              <a:t>복잡도 </a:t>
+            </a:r>
+            <a:r>
+              <a:rPr lang="en" altLang="ko-KR" sz="2800" b="1" dirty="0">
+                <a:solidFill>
+                  <a:prstClr val="black">
+                    <a:lumMod val="65000"/>
+                    <a:lumOff val="35000"/>
+                  </a:prstClr>
+                </a:solidFill>
+                <a:latin typeface="Nanum Gothic" panose="020D0604000000000000" pitchFamily="34" charset="-127"/>
+                <a:ea typeface="Nanum Gothic" panose="020D0604000000000000" pitchFamily="34" charset="-127"/>
+              </a:rPr>
+              <a:t>O(P + C)</a:t>
+            </a:r>
+          </a:p>
+          <a:p>
+            <a:r>
+              <a:rPr lang="en" altLang="ko-KR" sz="2200" dirty="0">
+                <a:solidFill>
+                  <a:prstClr val="black">
+                    <a:lumMod val="65000"/>
+                    <a:lumOff val="35000"/>
+                  </a:prstClr>
+                </a:solidFill>
+                <a:latin typeface="Nanum Gothic" panose="020D0604000000000000" pitchFamily="34" charset="-127"/>
+                <a:ea typeface="Nanum Gothic" panose="020D0604000000000000" pitchFamily="34" charset="-127"/>
+              </a:rPr>
+              <a:t>P </a:t>
+            </a:r>
+            <a:r>
+              <a:rPr lang="en-US" altLang="ko-KR" sz="2200" dirty="0">
+                <a:solidFill>
+                  <a:prstClr val="black">
+                    <a:lumMod val="65000"/>
+                    <a:lumOff val="35000"/>
+                  </a:prstClr>
+                </a:solidFill>
+                <a:latin typeface="Nanum Gothic" panose="020D0604000000000000" pitchFamily="34" charset="-127"/>
+                <a:ea typeface="Nanum Gothic" panose="020D0604000000000000" pitchFamily="34" charset="-127"/>
+              </a:rPr>
+              <a:t>=</a:t>
+            </a:r>
+            <a:r>
+              <a:rPr lang="ko-KR" altLang="en-US" sz="2200" dirty="0">
+                <a:solidFill>
+                  <a:prstClr val="black">
+                    <a:lumMod val="65000"/>
+                    <a:lumOff val="35000"/>
+                  </a:prstClr>
+                </a:solidFill>
+                <a:latin typeface="Nanum Gothic" panose="020D0604000000000000" pitchFamily="34" charset="-127"/>
+                <a:ea typeface="Nanum Gothic" panose="020D0604000000000000" pitchFamily="34" charset="-127"/>
+              </a:rPr>
+              <a:t> </a:t>
+            </a:r>
+            <a:r>
+              <a:rPr lang="en-US" altLang="ko-KR" sz="2200" dirty="0">
+                <a:solidFill>
+                  <a:prstClr val="black">
+                    <a:lumMod val="65000"/>
+                    <a:lumOff val="35000"/>
+                  </a:prstClr>
+                </a:solidFill>
+                <a:latin typeface="Nanum Gothic" panose="020D0604000000000000" pitchFamily="34" charset="-127"/>
+                <a:ea typeface="Nanum Gothic" panose="020D0604000000000000" pitchFamily="34" charset="-127"/>
+              </a:rPr>
+              <a:t># of</a:t>
+            </a:r>
+            <a:r>
+              <a:rPr lang="en" altLang="ko-KR" sz="2200" dirty="0">
+                <a:solidFill>
+                  <a:prstClr val="black">
+                    <a:lumMod val="65000"/>
+                    <a:lumOff val="35000"/>
+                  </a:prstClr>
+                </a:solidFill>
+                <a:latin typeface="Nanum Gothic" panose="020D0604000000000000" pitchFamily="34" charset="-127"/>
+                <a:ea typeface="Nanum Gothic" panose="020D0604000000000000" pitchFamily="34" charset="-127"/>
+              </a:rPr>
+              <a:t> Payment</a:t>
+            </a:r>
+            <a:r>
+              <a:rPr lang="en-US" altLang="ko-KR" sz="2200" dirty="0">
+                <a:solidFill>
+                  <a:prstClr val="black">
+                    <a:lumMod val="65000"/>
+                    <a:lumOff val="35000"/>
+                  </a:prstClr>
+                </a:solidFill>
+                <a:latin typeface="Nanum Gothic" panose="020D0604000000000000" pitchFamily="34" charset="-127"/>
+                <a:ea typeface="Nanum Gothic" panose="020D0604000000000000" pitchFamily="34" charset="-127"/>
+              </a:rPr>
+              <a:t>s</a:t>
+            </a:r>
+            <a:r>
+              <a:rPr lang="ko-KR" altLang="en-US" sz="2200" dirty="0">
+                <a:solidFill>
+                  <a:prstClr val="black">
+                    <a:lumMod val="65000"/>
+                    <a:lumOff val="35000"/>
+                  </a:prstClr>
+                </a:solidFill>
+                <a:latin typeface="Nanum Gothic" panose="020D0604000000000000" pitchFamily="34" charset="-127"/>
+                <a:ea typeface="Nanum Gothic" panose="020D0604000000000000" pitchFamily="34" charset="-127"/>
+              </a:rPr>
+              <a:t> </a:t>
+            </a:r>
+            <a:r>
+              <a:rPr lang="en-US" altLang="ko-KR" sz="2200" dirty="0">
+                <a:solidFill>
+                  <a:prstClr val="black">
+                    <a:lumMod val="65000"/>
+                    <a:lumOff val="35000"/>
+                  </a:prstClr>
+                </a:solidFill>
+                <a:latin typeface="Nanum Gothic" panose="020D0604000000000000" pitchFamily="34" charset="-127"/>
+                <a:ea typeface="Nanum Gothic" panose="020D0604000000000000" pitchFamily="34" charset="-127"/>
+              </a:rPr>
+              <a:t>&amp; </a:t>
+            </a:r>
+            <a:r>
+              <a:rPr lang="en" altLang="ko-KR" sz="2200" dirty="0">
+                <a:solidFill>
+                  <a:prstClr val="black">
+                    <a:lumMod val="65000"/>
+                    <a:lumOff val="35000"/>
+                  </a:prstClr>
+                </a:solidFill>
+                <a:latin typeface="Nanum Gothic" panose="020D0604000000000000" pitchFamily="34" charset="-127"/>
+                <a:ea typeface="Nanum Gothic" panose="020D0604000000000000" pitchFamily="34" charset="-127"/>
+              </a:rPr>
+              <a:t>C = # </a:t>
+            </a:r>
+            <a:r>
+              <a:rPr lang="en-US" altLang="ko-KR" sz="2200" dirty="0">
+                <a:solidFill>
+                  <a:prstClr val="black">
+                    <a:lumMod val="65000"/>
+                    <a:lumOff val="35000"/>
+                  </a:prstClr>
+                </a:solidFill>
+                <a:latin typeface="Nanum Gothic" panose="020D0604000000000000" pitchFamily="34" charset="-127"/>
+                <a:ea typeface="Nanum Gothic" panose="020D0604000000000000" pitchFamily="34" charset="-127"/>
+              </a:rPr>
+              <a:t>of Credits</a:t>
+            </a:r>
+            <a:endParaRPr lang="en" altLang="ko-KR" sz="2200" dirty="0">
+              <a:solidFill>
+                <a:prstClr val="black">
+                  <a:lumMod val="65000"/>
+                  <a:lumOff val="35000"/>
+                </a:prstClr>
+              </a:solidFill>
+              <a:latin typeface="Nanum Gothic" panose="020D0604000000000000" pitchFamily="34" charset="-127"/>
+              <a:ea typeface="Nanum Gothic" panose="020D0604000000000000" pitchFamily="34" charset="-127"/>
+            </a:endParaRPr>
+          </a:p>
+          <a:p>
+            <a:r>
+              <a:rPr lang="en-US" altLang="ko-KR" sz="2200" dirty="0">
+                <a:solidFill>
+                  <a:prstClr val="black">
+                    <a:lumMod val="65000"/>
+                    <a:lumOff val="35000"/>
+                  </a:prstClr>
+                </a:solidFill>
+                <a:latin typeface="Nanum Gothic" panose="020D0604000000000000" pitchFamily="34" charset="-127"/>
+                <a:ea typeface="Nanum Gothic" panose="020D0604000000000000" pitchFamily="34" charset="-127"/>
+              </a:rPr>
+              <a:t>1.</a:t>
+            </a:r>
+            <a:r>
+              <a:rPr lang="ko-KR" altLang="en-US" sz="2200" dirty="0">
+                <a:solidFill>
+                  <a:prstClr val="black">
+                    <a:lumMod val="65000"/>
+                    <a:lumOff val="35000"/>
+                  </a:prstClr>
+                </a:solidFill>
+                <a:latin typeface="Nanum Gothic" panose="020D0604000000000000" pitchFamily="34" charset="-127"/>
+                <a:ea typeface="Nanum Gothic" panose="020D0604000000000000" pitchFamily="34" charset="-127"/>
+              </a:rPr>
+              <a:t> 각자 줄 돈</a:t>
+            </a:r>
+            <a:r>
+              <a:rPr lang="en-US" altLang="ko-KR" sz="2200" dirty="0">
+                <a:solidFill>
+                  <a:prstClr val="black">
+                    <a:lumMod val="65000"/>
+                    <a:lumOff val="35000"/>
+                  </a:prstClr>
+                </a:solidFill>
+                <a:latin typeface="Nanum Gothic" panose="020D0604000000000000" pitchFamily="34" charset="-127"/>
+                <a:ea typeface="Nanum Gothic" panose="020D0604000000000000" pitchFamily="34" charset="-127"/>
+              </a:rPr>
+              <a:t>(-)</a:t>
+            </a:r>
+            <a:r>
+              <a:rPr lang="ko-KR" altLang="en-US" sz="2200" dirty="0">
+                <a:solidFill>
+                  <a:prstClr val="black">
+                    <a:lumMod val="65000"/>
+                    <a:lumOff val="35000"/>
+                  </a:prstClr>
+                </a:solidFill>
+                <a:latin typeface="Nanum Gothic" panose="020D0604000000000000" pitchFamily="34" charset="-127"/>
+                <a:ea typeface="Nanum Gothic" panose="020D0604000000000000" pitchFamily="34" charset="-127"/>
+              </a:rPr>
+              <a:t> 받을 돈</a:t>
+            </a:r>
+            <a:r>
+              <a:rPr lang="en-US" altLang="ko-KR" sz="2200" dirty="0">
+                <a:solidFill>
+                  <a:prstClr val="black">
+                    <a:lumMod val="65000"/>
+                    <a:lumOff val="35000"/>
+                  </a:prstClr>
+                </a:solidFill>
+                <a:latin typeface="Nanum Gothic" panose="020D0604000000000000" pitchFamily="34" charset="-127"/>
+                <a:ea typeface="Nanum Gothic" panose="020D0604000000000000" pitchFamily="34" charset="-127"/>
+              </a:rPr>
+              <a:t>(+)</a:t>
+            </a:r>
+            <a:r>
+              <a:rPr lang="ko-KR" altLang="en-US" sz="2200" dirty="0">
+                <a:solidFill>
+                  <a:prstClr val="black">
+                    <a:lumMod val="65000"/>
+                    <a:lumOff val="35000"/>
+                  </a:prstClr>
+                </a:solidFill>
+                <a:latin typeface="Nanum Gothic" panose="020D0604000000000000" pitchFamily="34" charset="-127"/>
+                <a:ea typeface="Nanum Gothic" panose="020D0604000000000000" pitchFamily="34" charset="-127"/>
+              </a:rPr>
+              <a:t>을 합쳐 각자의 가중치 계산</a:t>
+            </a:r>
+            <a:endParaRPr lang="en" altLang="ko-KR" sz="2200" dirty="0">
+              <a:solidFill>
+                <a:prstClr val="black">
+                  <a:lumMod val="65000"/>
+                  <a:lumOff val="35000"/>
+                </a:prstClr>
+              </a:solidFill>
+              <a:latin typeface="Nanum Gothic" panose="020D0604000000000000" pitchFamily="34" charset="-127"/>
+              <a:ea typeface="Nanum Gothic" panose="020D0604000000000000" pitchFamily="34" charset="-127"/>
+            </a:endParaRPr>
+          </a:p>
+          <a:p>
+            <a:r>
+              <a:rPr lang="en-US" altLang="ko-KR" sz="2200" dirty="0">
+                <a:solidFill>
+                  <a:prstClr val="black">
+                    <a:lumMod val="65000"/>
+                    <a:lumOff val="35000"/>
+                  </a:prstClr>
+                </a:solidFill>
+                <a:latin typeface="Nanum Gothic" panose="020D0604000000000000" pitchFamily="34" charset="-127"/>
+                <a:ea typeface="Nanum Gothic" panose="020D0604000000000000" pitchFamily="34" charset="-127"/>
+              </a:rPr>
+              <a:t>2.</a:t>
+            </a:r>
+            <a:r>
+              <a:rPr lang="ko-KR" altLang="en-US" sz="2200" dirty="0">
+                <a:solidFill>
+                  <a:prstClr val="black">
+                    <a:lumMod val="65000"/>
+                    <a:lumOff val="35000"/>
+                  </a:prstClr>
+                </a:solidFill>
+                <a:latin typeface="Nanum Gothic" panose="020D0604000000000000" pitchFamily="34" charset="-127"/>
+                <a:ea typeface="Nanum Gothic" panose="020D0604000000000000" pitchFamily="34" charset="-127"/>
+              </a:rPr>
+              <a:t> 가중치를 기준으로 내림차순으로 정렬</a:t>
+            </a:r>
+            <a:endParaRPr lang="en-US" altLang="ko-KR" sz="2200" dirty="0">
+              <a:solidFill>
+                <a:prstClr val="black">
+                  <a:lumMod val="65000"/>
+                  <a:lumOff val="35000"/>
+                </a:prstClr>
+              </a:solidFill>
+              <a:latin typeface="Nanum Gothic" panose="020D0604000000000000" pitchFamily="34" charset="-127"/>
+              <a:ea typeface="Nanum Gothic" panose="020D0604000000000000" pitchFamily="34" charset="-127"/>
+            </a:endParaRPr>
+          </a:p>
+          <a:p>
+            <a:r>
+              <a:rPr lang="en-US" altLang="ko-KR" sz="2200" dirty="0">
+                <a:solidFill>
+                  <a:prstClr val="black">
+                    <a:lumMod val="65000"/>
+                    <a:lumOff val="35000"/>
+                  </a:prstClr>
+                </a:solidFill>
+                <a:latin typeface="Nanum Gothic" panose="020D0604000000000000" pitchFamily="34" charset="-127"/>
+                <a:ea typeface="Nanum Gothic" panose="020D0604000000000000" pitchFamily="34" charset="-127"/>
+              </a:rPr>
+              <a:t>3.</a:t>
+            </a:r>
+            <a:r>
+              <a:rPr lang="ko-KR" altLang="en-US" sz="2200" dirty="0">
+                <a:solidFill>
+                  <a:prstClr val="black">
+                    <a:lumMod val="65000"/>
+                    <a:lumOff val="35000"/>
+                  </a:prstClr>
+                </a:solidFill>
+                <a:latin typeface="Nanum Gothic" panose="020D0604000000000000" pitchFamily="34" charset="-127"/>
+                <a:ea typeface="Nanum Gothic" panose="020D0604000000000000" pitchFamily="34" charset="-127"/>
+              </a:rPr>
+              <a:t> 양 끝의 사람을 매칭시켜 가중치를 가감 시킴</a:t>
+            </a:r>
+            <a:r>
+              <a:rPr lang="en-US" altLang="ko-KR" sz="2200" dirty="0">
+                <a:solidFill>
+                  <a:prstClr val="black">
+                    <a:lumMod val="65000"/>
+                    <a:lumOff val="35000"/>
+                  </a:prstClr>
+                </a:solidFill>
+                <a:latin typeface="Nanum Gothic" panose="020D0604000000000000" pitchFamily="34" charset="-127"/>
+                <a:ea typeface="Nanum Gothic" panose="020D0604000000000000" pitchFamily="34" charset="-127"/>
+              </a:rPr>
+              <a:t> (</a:t>
+            </a:r>
+            <a:r>
+              <a:rPr lang="ko-KR" altLang="en-US" sz="2200" dirty="0">
+                <a:solidFill>
+                  <a:prstClr val="black">
+                    <a:lumMod val="65000"/>
+                    <a:lumOff val="35000"/>
+                  </a:prstClr>
+                </a:solidFill>
+                <a:latin typeface="Nanum Gothic" panose="020D0604000000000000" pitchFamily="34" charset="-127"/>
+                <a:ea typeface="Nanum Gothic" panose="020D0604000000000000" pitchFamily="34" charset="-127"/>
+              </a:rPr>
+              <a:t>적어도 한 쪽은 항상 </a:t>
+            </a:r>
+            <a:r>
+              <a:rPr lang="en-US" altLang="ko-KR" sz="2200" dirty="0">
+                <a:solidFill>
+                  <a:prstClr val="black">
+                    <a:lumMod val="65000"/>
+                    <a:lumOff val="35000"/>
+                  </a:prstClr>
+                </a:solidFill>
+                <a:latin typeface="Nanum Gothic" panose="020D0604000000000000" pitchFamily="34" charset="-127"/>
+                <a:ea typeface="Nanum Gothic" panose="020D0604000000000000" pitchFamily="34" charset="-127"/>
+              </a:rPr>
+              <a:t>0</a:t>
+            </a:r>
+            <a:r>
+              <a:rPr lang="ko-KR" altLang="en-US" sz="2200" dirty="0">
+                <a:solidFill>
+                  <a:prstClr val="black">
+                    <a:lumMod val="65000"/>
+                    <a:lumOff val="35000"/>
+                  </a:prstClr>
+                </a:solidFill>
+                <a:latin typeface="Nanum Gothic" panose="020D0604000000000000" pitchFamily="34" charset="-127"/>
+                <a:ea typeface="Nanum Gothic" panose="020D0604000000000000" pitchFamily="34" charset="-127"/>
+              </a:rPr>
+              <a:t>이 됨</a:t>
+            </a:r>
+            <a:r>
+              <a:rPr lang="en-US" altLang="ko-KR" sz="2200" dirty="0">
+                <a:solidFill>
+                  <a:prstClr val="black">
+                    <a:lumMod val="65000"/>
+                    <a:lumOff val="35000"/>
+                  </a:prstClr>
+                </a:solidFill>
+                <a:latin typeface="Nanum Gothic" panose="020D0604000000000000" pitchFamily="34" charset="-127"/>
+                <a:ea typeface="Nanum Gothic" panose="020D0604000000000000" pitchFamily="34" charset="-127"/>
+              </a:rPr>
+              <a:t>)</a:t>
+            </a:r>
+          </a:p>
+          <a:p>
+            <a:r>
+              <a:rPr lang="en-US" altLang="ko-KR" sz="2200" dirty="0">
+                <a:solidFill>
+                  <a:prstClr val="black">
+                    <a:lumMod val="65000"/>
+                    <a:lumOff val="35000"/>
+                  </a:prstClr>
+                </a:solidFill>
+                <a:latin typeface="Nanum Gothic" panose="020D0604000000000000" pitchFamily="34" charset="-127"/>
+                <a:ea typeface="Nanum Gothic" panose="020D0604000000000000" pitchFamily="34" charset="-127"/>
+              </a:rPr>
+              <a:t>4.</a:t>
+            </a:r>
+            <a:r>
+              <a:rPr lang="ko-KR" altLang="en-US" sz="2200" dirty="0">
+                <a:solidFill>
+                  <a:prstClr val="black">
+                    <a:lumMod val="65000"/>
+                    <a:lumOff val="35000"/>
+                  </a:prstClr>
+                </a:solidFill>
+                <a:latin typeface="Nanum Gothic" panose="020D0604000000000000" pitchFamily="34" charset="-127"/>
+                <a:ea typeface="Nanum Gothic" panose="020D0604000000000000" pitchFamily="34" charset="-127"/>
+              </a:rPr>
+              <a:t> </a:t>
+            </a:r>
+            <a:r>
+              <a:rPr lang="en-US" altLang="ko-KR" sz="2200" dirty="0">
+                <a:solidFill>
+                  <a:prstClr val="black">
+                    <a:lumMod val="65000"/>
+                    <a:lumOff val="35000"/>
+                  </a:prstClr>
+                </a:solidFill>
+                <a:latin typeface="Nanum Gothic" panose="020D0604000000000000" pitchFamily="34" charset="-127"/>
+                <a:ea typeface="Nanum Gothic" panose="020D0604000000000000" pitchFamily="34" charset="-127"/>
+              </a:rPr>
+              <a:t>0</a:t>
+            </a:r>
+            <a:r>
+              <a:rPr lang="ko-KR" altLang="en-US" sz="2200" dirty="0">
+                <a:solidFill>
+                  <a:prstClr val="black">
+                    <a:lumMod val="65000"/>
+                    <a:lumOff val="35000"/>
+                  </a:prstClr>
+                </a:solidFill>
+                <a:latin typeface="Nanum Gothic" panose="020D0604000000000000" pitchFamily="34" charset="-127"/>
+                <a:ea typeface="Nanum Gothic" panose="020D0604000000000000" pitchFamily="34" charset="-127"/>
+              </a:rPr>
+              <a:t>이 된 쪽을 제외 후 모든 빚이 탕감 될 때 까지 </a:t>
+            </a:r>
+            <a:r>
+              <a:rPr lang="en-US" altLang="ko-KR" sz="2200" dirty="0">
+                <a:solidFill>
+                  <a:prstClr val="black">
+                    <a:lumMod val="65000"/>
+                    <a:lumOff val="35000"/>
+                  </a:prstClr>
+                </a:solidFill>
+                <a:latin typeface="Nanum Gothic" panose="020D0604000000000000" pitchFamily="34" charset="-127"/>
+                <a:ea typeface="Nanum Gothic" panose="020D0604000000000000" pitchFamily="34" charset="-127"/>
+              </a:rPr>
+              <a:t>3.</a:t>
+            </a:r>
+            <a:r>
+              <a:rPr lang="ko-KR" altLang="en-US" sz="2200" dirty="0">
+                <a:solidFill>
+                  <a:prstClr val="black">
+                    <a:lumMod val="65000"/>
+                    <a:lumOff val="35000"/>
+                  </a:prstClr>
+                </a:solidFill>
+                <a:latin typeface="Nanum Gothic" panose="020D0604000000000000" pitchFamily="34" charset="-127"/>
+                <a:ea typeface="Nanum Gothic" panose="020D0604000000000000" pitchFamily="34" charset="-127"/>
+              </a:rPr>
+              <a:t> 과정 반복</a:t>
+            </a:r>
+            <a:endParaRPr lang="en-US" altLang="ko-KR" sz="2200" dirty="0">
+              <a:solidFill>
+                <a:prstClr val="black">
+                  <a:lumMod val="65000"/>
+                  <a:lumOff val="35000"/>
+                </a:prstClr>
+              </a:solidFill>
+              <a:latin typeface="Nanum Gothic" panose="020D0604000000000000" pitchFamily="34" charset="-127"/>
+              <a:ea typeface="Nanum Gothic" panose="020D0604000000000000" pitchFamily="34" charset="-127"/>
+            </a:endParaRPr>
+          </a:p>
+          <a:p>
+            <a:endParaRPr lang="en" altLang="ko-KR" sz="2200" dirty="0">
+              <a:solidFill>
+                <a:prstClr val="black">
+                  <a:lumMod val="65000"/>
+                  <a:lumOff val="35000"/>
+                </a:prstClr>
+              </a:solidFill>
+              <a:latin typeface="Nanum Gothic" panose="020D0604000000000000" pitchFamily="34" charset="-127"/>
+              <a:ea typeface="Nanum Gothic" panose="020D0604000000000000" pitchFamily="34" charset="-127"/>
+            </a:endParaRPr>
+          </a:p>
+          <a:p>
+            <a:r>
+              <a:rPr lang="en" altLang="ko-KR" sz="2200" dirty="0">
+                <a:solidFill>
+                  <a:prstClr val="black">
+                    <a:lumMod val="65000"/>
+                    <a:lumOff val="35000"/>
+                  </a:prstClr>
+                </a:solidFill>
+                <a:latin typeface="Nanum Gothic" panose="020D0604000000000000" pitchFamily="34" charset="-127"/>
+                <a:ea typeface="Nanum Gothic" panose="020D0604000000000000" pitchFamily="34" charset="-127"/>
+              </a:rPr>
+              <a:t>p1&gt;p2&gt;...</a:t>
+            </a:r>
+            <a:r>
+              <a:rPr lang="en" altLang="ko-KR" sz="2200" dirty="0" err="1">
+                <a:solidFill>
+                  <a:prstClr val="black">
+                    <a:lumMod val="65000"/>
+                    <a:lumOff val="35000"/>
+                  </a:prstClr>
+                </a:solidFill>
+                <a:latin typeface="Nanum Gothic" panose="020D0604000000000000" pitchFamily="34" charset="-127"/>
+                <a:ea typeface="Nanum Gothic" panose="020D0604000000000000" pitchFamily="34" charset="-127"/>
+              </a:rPr>
+              <a:t>pt</a:t>
+            </a:r>
+            <a:r>
+              <a:rPr lang="en" altLang="ko-KR" sz="2200" dirty="0">
+                <a:solidFill>
+                  <a:prstClr val="black">
+                    <a:lumMod val="65000"/>
+                    <a:lumOff val="35000"/>
+                  </a:prstClr>
+                </a:solidFill>
+                <a:latin typeface="Nanum Gothic" panose="020D0604000000000000" pitchFamily="34" charset="-127"/>
+                <a:ea typeface="Nanum Gothic" panose="020D0604000000000000" pitchFamily="34" charset="-127"/>
+              </a:rPr>
+              <a:t>&gt;0&gt;q1&gt;</a:t>
+            </a:r>
+            <a:r>
+              <a:rPr lang="en-US" altLang="ko-KR" sz="2200" dirty="0">
+                <a:solidFill>
+                  <a:prstClr val="black">
+                    <a:lumMod val="65000"/>
+                    <a:lumOff val="35000"/>
+                  </a:prstClr>
+                </a:solidFill>
+                <a:latin typeface="Nanum Gothic" panose="020D0604000000000000" pitchFamily="34" charset="-127"/>
+                <a:ea typeface="Nanum Gothic" panose="020D0604000000000000" pitchFamily="34" charset="-127"/>
+              </a:rPr>
+              <a:t>q2&gt;</a:t>
+            </a:r>
+            <a:r>
+              <a:rPr lang="en" altLang="ko-KR" sz="2200" dirty="0">
+                <a:solidFill>
+                  <a:prstClr val="black">
+                    <a:lumMod val="65000"/>
+                    <a:lumOff val="35000"/>
+                  </a:prstClr>
+                </a:solidFill>
+                <a:latin typeface="Nanum Gothic" panose="020D0604000000000000" pitchFamily="34" charset="-127"/>
+                <a:ea typeface="Nanum Gothic" panose="020D0604000000000000" pitchFamily="34" charset="-127"/>
+              </a:rPr>
+              <a:t>...</a:t>
+            </a:r>
+            <a:r>
+              <a:rPr lang="en" altLang="ko-KR" sz="2200" dirty="0" err="1">
+                <a:solidFill>
+                  <a:prstClr val="black">
+                    <a:lumMod val="65000"/>
+                    <a:lumOff val="35000"/>
+                  </a:prstClr>
+                </a:solidFill>
+                <a:latin typeface="Nanum Gothic" panose="020D0604000000000000" pitchFamily="34" charset="-127"/>
+                <a:ea typeface="Nanum Gothic" panose="020D0604000000000000" pitchFamily="34" charset="-127"/>
+              </a:rPr>
+              <a:t>qr</a:t>
+            </a:r>
+            <a:endParaRPr lang="en" altLang="ko-KR" sz="2200" dirty="0">
+              <a:solidFill>
+                <a:prstClr val="black">
+                  <a:lumMod val="65000"/>
+                  <a:lumOff val="35000"/>
+                </a:prstClr>
+              </a:solidFill>
+              <a:latin typeface="Nanum Gothic" panose="020D0604000000000000" pitchFamily="34" charset="-127"/>
+              <a:ea typeface="Nanum Gothic" panose="020D0604000000000000" pitchFamily="34" charset="-127"/>
+            </a:endParaRPr>
+          </a:p>
+          <a:p>
+            <a:r>
+              <a:rPr lang="en" altLang="ko-KR" sz="2200" dirty="0">
+                <a:solidFill>
+                  <a:prstClr val="black">
+                    <a:lumMod val="65000"/>
+                    <a:lumOff val="35000"/>
+                  </a:prstClr>
+                </a:solidFill>
+                <a:latin typeface="Nanum Gothic" panose="020D0604000000000000" pitchFamily="34" charset="-127"/>
+                <a:ea typeface="Nanum Gothic" panose="020D0604000000000000" pitchFamily="34" charset="-127"/>
+              </a:rPr>
+              <a:t>sigma pi = - sigma qi</a:t>
+            </a:r>
+            <a:r>
+              <a:rPr lang="en-US" altLang="ko-KR" sz="2200" dirty="0">
+                <a:solidFill>
+                  <a:prstClr val="black">
+                    <a:lumMod val="65000"/>
+                    <a:lumOff val="35000"/>
+                  </a:prstClr>
+                </a:solidFill>
+                <a:latin typeface="Nanum Gothic" panose="020D0604000000000000" pitchFamily="34" charset="-127"/>
+                <a:ea typeface="Nanum Gothic" panose="020D0604000000000000" pitchFamily="34" charset="-127"/>
+              </a:rPr>
+              <a:t> </a:t>
+            </a:r>
+            <a:r>
+              <a:rPr lang="ko-KR" altLang="en-US" sz="2200" dirty="0">
+                <a:solidFill>
+                  <a:prstClr val="black">
+                    <a:lumMod val="65000"/>
+                    <a:lumOff val="35000"/>
+                  </a:prstClr>
+                </a:solidFill>
+                <a:latin typeface="Nanum Gothic" panose="020D0604000000000000" pitchFamily="34" charset="-127"/>
+                <a:ea typeface="Nanum Gothic" panose="020D0604000000000000" pitchFamily="34" charset="-127"/>
+              </a:rPr>
+              <a:t>에서 </a:t>
+            </a:r>
+            <a:r>
+              <a:rPr lang="en" altLang="ko-KR" sz="2200" dirty="0">
+                <a:solidFill>
+                  <a:prstClr val="black">
+                    <a:lumMod val="65000"/>
+                    <a:lumOff val="35000"/>
+                  </a:prstClr>
+                </a:solidFill>
+                <a:latin typeface="Nanum Gothic" panose="020D0604000000000000" pitchFamily="34" charset="-127"/>
+                <a:ea typeface="Nanum Gothic" panose="020D0604000000000000" pitchFamily="34" charset="-127"/>
+              </a:rPr>
+              <a:t>pi&gt;0 </a:t>
+            </a:r>
+            <a:r>
+              <a:rPr lang="ko-KR" altLang="en-US" sz="2200" dirty="0">
+                <a:solidFill>
+                  <a:prstClr val="black">
+                    <a:lumMod val="65000"/>
+                    <a:lumOff val="35000"/>
+                  </a:prstClr>
+                </a:solidFill>
+                <a:latin typeface="Nanum Gothic" panose="020D0604000000000000" pitchFamily="34" charset="-127"/>
+                <a:ea typeface="Nanum Gothic" panose="020D0604000000000000" pitchFamily="34" charset="-127"/>
+              </a:rPr>
+              <a:t>인 사람만 돈을 </a:t>
+            </a:r>
+            <a:r>
+              <a:rPr lang="en" altLang="ko-KR" sz="2200" dirty="0">
+                <a:solidFill>
+                  <a:prstClr val="black">
+                    <a:lumMod val="65000"/>
+                    <a:lumOff val="35000"/>
+                  </a:prstClr>
+                </a:solidFill>
+                <a:latin typeface="Nanum Gothic" panose="020D0604000000000000" pitchFamily="34" charset="-127"/>
+                <a:ea typeface="Nanum Gothic" panose="020D0604000000000000" pitchFamily="34" charset="-127"/>
+              </a:rPr>
+              <a:t>qi&lt;0</a:t>
+            </a:r>
+            <a:r>
+              <a:rPr lang="ko-KR" altLang="en-US" sz="2200" dirty="0">
+                <a:solidFill>
+                  <a:prstClr val="black">
+                    <a:lumMod val="65000"/>
+                    <a:lumOff val="35000"/>
+                  </a:prstClr>
+                </a:solidFill>
+                <a:latin typeface="Nanum Gothic" panose="020D0604000000000000" pitchFamily="34" charset="-127"/>
+                <a:ea typeface="Nanum Gothic" panose="020D0604000000000000" pitchFamily="34" charset="-127"/>
+              </a:rPr>
+              <a:t>인 사람한테만 보냄</a:t>
+            </a:r>
+          </a:p>
+          <a:p>
+            <a:r>
+              <a:rPr lang="ko-KR" altLang="en-US" sz="2200" dirty="0">
+                <a:solidFill>
+                  <a:prstClr val="black">
+                    <a:lumMod val="65000"/>
+                    <a:lumOff val="35000"/>
+                  </a:prstClr>
+                </a:solidFill>
+                <a:latin typeface="Nanum Gothic" panose="020D0604000000000000" pitchFamily="34" charset="-127"/>
+                <a:ea typeface="Nanum Gothic" panose="020D0604000000000000" pitchFamily="34" charset="-127"/>
+              </a:rPr>
+              <a:t>이때 </a:t>
+            </a:r>
+            <a:r>
+              <a:rPr lang="en" altLang="ko-KR" sz="2200" dirty="0">
+                <a:solidFill>
+                  <a:prstClr val="black">
+                    <a:lumMod val="65000"/>
+                    <a:lumOff val="35000"/>
+                  </a:prstClr>
+                </a:solidFill>
+                <a:latin typeface="Nanum Gothic" panose="020D0604000000000000" pitchFamily="34" charset="-127"/>
+                <a:ea typeface="Nanum Gothic" panose="020D0604000000000000" pitchFamily="34" charset="-127"/>
+              </a:rPr>
+              <a:t>qi&lt;0</a:t>
+            </a:r>
+            <a:r>
+              <a:rPr lang="ko-KR" altLang="en-US" sz="2200" dirty="0">
+                <a:solidFill>
+                  <a:prstClr val="black">
+                    <a:lumMod val="65000"/>
+                    <a:lumOff val="35000"/>
+                  </a:prstClr>
+                </a:solidFill>
+                <a:latin typeface="Nanum Gothic" panose="020D0604000000000000" pitchFamily="34" charset="-127"/>
+                <a:ea typeface="Nanum Gothic" panose="020D0604000000000000" pitchFamily="34" charset="-127"/>
+              </a:rPr>
+              <a:t>인 사람의 계좌가 필요함 그런데</a:t>
+            </a:r>
+          </a:p>
+          <a:p>
+            <a:r>
+              <a:rPr lang="en" altLang="ko-KR" sz="2200" dirty="0">
+                <a:solidFill>
+                  <a:prstClr val="black">
+                    <a:lumMod val="65000"/>
+                    <a:lumOff val="35000"/>
+                  </a:prstClr>
+                </a:solidFill>
+                <a:latin typeface="Nanum Gothic" panose="020D0604000000000000" pitchFamily="34" charset="-127"/>
+                <a:ea typeface="Nanum Gothic" panose="020D0604000000000000" pitchFamily="34" charset="-127"/>
+              </a:rPr>
+              <a:t>qi&lt;0 &lt;=&gt; </a:t>
+            </a:r>
+            <a:r>
+              <a:rPr lang="ko-KR" altLang="en-US" sz="2200" dirty="0">
+                <a:solidFill>
+                  <a:prstClr val="black">
+                    <a:lumMod val="65000"/>
+                    <a:lumOff val="35000"/>
+                  </a:prstClr>
+                </a:solidFill>
+                <a:latin typeface="Nanum Gothic" panose="020D0604000000000000" pitchFamily="34" charset="-127"/>
+                <a:ea typeface="Nanum Gothic" panose="020D0604000000000000" pitchFamily="34" charset="-127"/>
+              </a:rPr>
+              <a:t>지불 내역 입력</a:t>
+            </a:r>
+            <a:r>
+              <a:rPr lang="en-US" altLang="ko-KR" sz="2200" dirty="0">
+                <a:solidFill>
+                  <a:prstClr val="black">
+                    <a:lumMod val="65000"/>
+                    <a:lumOff val="35000"/>
+                  </a:prstClr>
+                </a:solidFill>
+                <a:latin typeface="Nanum Gothic" panose="020D0604000000000000" pitchFamily="34" charset="-127"/>
+                <a:ea typeface="Nanum Gothic" panose="020D0604000000000000" pitchFamily="34" charset="-127"/>
+              </a:rPr>
+              <a:t> &lt;=&gt; </a:t>
+            </a:r>
+            <a:r>
+              <a:rPr lang="ko-KR" altLang="en-US" sz="2200" dirty="0">
+                <a:solidFill>
+                  <a:prstClr val="black">
+                    <a:lumMod val="65000"/>
+                    <a:lumOff val="35000"/>
+                  </a:prstClr>
+                </a:solidFill>
+                <a:latin typeface="Nanum Gothic" panose="020D0604000000000000" pitchFamily="34" charset="-127"/>
+                <a:ea typeface="Nanum Gothic" panose="020D0604000000000000" pitchFamily="34" charset="-127"/>
+              </a:rPr>
+              <a:t>로그인 필요</a:t>
+            </a:r>
+            <a:r>
+              <a:rPr lang="en-US" altLang="ko-KR" sz="2200" dirty="0">
+                <a:solidFill>
+                  <a:prstClr val="black">
+                    <a:lumMod val="65000"/>
+                    <a:lumOff val="35000"/>
+                  </a:prstClr>
+                </a:solidFill>
+                <a:latin typeface="Nanum Gothic" panose="020D0604000000000000" pitchFamily="34" charset="-127"/>
+                <a:ea typeface="Nanum Gothic" panose="020D0604000000000000" pitchFamily="34" charset="-127"/>
+              </a:rPr>
+              <a:t>&lt;=&gt; </a:t>
+            </a:r>
+            <a:r>
+              <a:rPr lang="ko-KR" altLang="en-US" sz="2200" dirty="0">
+                <a:solidFill>
+                  <a:prstClr val="black">
+                    <a:lumMod val="65000"/>
+                    <a:lumOff val="35000"/>
+                  </a:prstClr>
+                </a:solidFill>
+                <a:latin typeface="Nanum Gothic" panose="020D0604000000000000" pitchFamily="34" charset="-127"/>
+                <a:ea typeface="Nanum Gothic" panose="020D0604000000000000" pitchFamily="34" charset="-127"/>
+              </a:rPr>
+              <a:t>계좌 정보를 입력 가능함</a:t>
+            </a:r>
+            <a:br>
+              <a:rPr lang="ko-KR" altLang="en-US" sz="2200" dirty="0">
+                <a:solidFill>
+                  <a:prstClr val="black">
+                    <a:lumMod val="65000"/>
+                    <a:lumOff val="35000"/>
+                  </a:prstClr>
+                </a:solidFill>
+                <a:latin typeface="Nanum Gothic" panose="020D0604000000000000" pitchFamily="34" charset="-127"/>
+                <a:ea typeface="Nanum Gothic" panose="020D0604000000000000" pitchFamily="34" charset="-127"/>
+              </a:rPr>
+            </a:br>
+            <a:r>
+              <a:rPr lang="en-US" altLang="ko-KR" sz="2200" b="1" dirty="0">
+                <a:solidFill>
+                  <a:prstClr val="black">
+                    <a:lumMod val="65000"/>
+                    <a:lumOff val="35000"/>
+                  </a:prstClr>
+                </a:solidFill>
+                <a:latin typeface="Nanum Gothic" panose="020D0604000000000000" pitchFamily="34" charset="-127"/>
+                <a:ea typeface="Nanum Gothic" panose="020D0604000000000000" pitchFamily="34" charset="-127"/>
+              </a:rPr>
+              <a:t>=&gt; </a:t>
+            </a:r>
+            <a:r>
+              <a:rPr lang="ko-KR" altLang="en-US" sz="2200" b="1" dirty="0">
+                <a:solidFill>
+                  <a:prstClr val="black">
+                    <a:lumMod val="65000"/>
+                    <a:lumOff val="35000"/>
+                  </a:prstClr>
+                </a:solidFill>
+                <a:latin typeface="Nanum Gothic" panose="020D0604000000000000" pitchFamily="34" charset="-127"/>
+                <a:ea typeface="Nanum Gothic" panose="020D0604000000000000" pitchFamily="34" charset="-127"/>
+              </a:rPr>
+              <a:t>최적 결과 </a:t>
+            </a:r>
+            <a:r>
+              <a:rPr lang="en-US" altLang="ko-KR" sz="2200" b="1" dirty="0">
+                <a:solidFill>
+                  <a:prstClr val="black">
+                    <a:lumMod val="65000"/>
+                    <a:lumOff val="35000"/>
+                  </a:prstClr>
+                </a:solidFill>
+                <a:latin typeface="Nanum Gothic" panose="020D0604000000000000" pitchFamily="34" charset="-127"/>
+                <a:ea typeface="Nanum Gothic" panose="020D0604000000000000" pitchFamily="34" charset="-127"/>
+              </a:rPr>
+              <a:t>+ </a:t>
+            </a:r>
+            <a:r>
+              <a:rPr lang="ko-KR" altLang="en-US" sz="2200" b="1" dirty="0">
+                <a:solidFill>
+                  <a:prstClr val="black">
+                    <a:lumMod val="65000"/>
+                    <a:lumOff val="35000"/>
+                  </a:prstClr>
+                </a:solidFill>
+                <a:latin typeface="Nanum Gothic" panose="020D0604000000000000" pitchFamily="34" charset="-127"/>
+                <a:ea typeface="Nanum Gothic" panose="020D0604000000000000" pitchFamily="34" charset="-127"/>
+              </a:rPr>
+              <a:t>계좌정보 있는 사람에게만 보내는 경우</a:t>
+            </a:r>
+          </a:p>
+        </p:txBody>
+      </p:sp>
+      <p:cxnSp>
+        <p:nvCxnSpPr>
+          <p:cNvPr id="41" name="꺾인 연결선[E] 40">
+            <a:extLst>
+              <a:ext uri="{FF2B5EF4-FFF2-40B4-BE49-F238E27FC236}">
+                <a16:creationId xmlns:a16="http://schemas.microsoft.com/office/drawing/2014/main" id="{52511741-8966-164F-9F26-1DEDE1B67506}"/>
+              </a:ext>
+            </a:extLst>
+          </p:cNvPr>
+          <p:cNvCxnSpPr>
+            <a:stCxn id="142" idx="1"/>
+            <a:endCxn id="367" idx="3"/>
+          </p:cNvCxnSpPr>
+          <p:nvPr/>
+        </p:nvCxnSpPr>
+        <p:spPr>
+          <a:xfrm rot="10800000" flipV="1">
+            <a:off x="12026174" y="8145469"/>
+            <a:ext cx="2732814" cy="1098914"/>
+          </a:xfrm>
+          <a:prstGeom prst="bentConnector3">
+            <a:avLst/>
+          </a:prstGeom>
+          <a:ln>
+            <a:solidFill>
+              <a:srgbClr val="0DA2F1">
+                <a:alpha val="30000"/>
+              </a:srgbClr>
+            </a:solidFill>
+            <a:tailEnd type="triangle"/>
+          </a:ln>
+        </p:spPr>
+        <p:style>
+          <a:lnRef idx="1">
+            <a:schemeClr val="accent1"/>
+          </a:lnRef>
+          <a:fillRef idx="0">
+            <a:schemeClr val="accent1"/>
+          </a:fillRef>
+          <a:effectRef idx="0">
+            <a:schemeClr val="accent1"/>
+          </a:effectRef>
+          <a:fontRef idx="minor">
+            <a:schemeClr val="tx1"/>
+          </a:fontRef>
+        </p:style>
+      </p:cxnSp>
+      <p:cxnSp>
+        <p:nvCxnSpPr>
+          <p:cNvPr id="43" name="꺾인 연결선[E] 42">
+            <a:extLst>
+              <a:ext uri="{FF2B5EF4-FFF2-40B4-BE49-F238E27FC236}">
+                <a16:creationId xmlns:a16="http://schemas.microsoft.com/office/drawing/2014/main" id="{803FC136-2ABD-B54B-9168-0D964F15199C}"/>
+              </a:ext>
+            </a:extLst>
+          </p:cNvPr>
+          <p:cNvCxnSpPr>
+            <a:endCxn id="369" idx="1"/>
+          </p:cNvCxnSpPr>
+          <p:nvPr/>
+        </p:nvCxnSpPr>
+        <p:spPr>
+          <a:xfrm flipV="1">
+            <a:off x="15886069" y="6481976"/>
+            <a:ext cx="1319521" cy="533679"/>
+          </a:xfrm>
+          <a:prstGeom prst="bentConnector3">
+            <a:avLst/>
+          </a:prstGeom>
+          <a:ln>
+            <a:solidFill>
+              <a:srgbClr val="0DA2F1">
+                <a:alpha val="30000"/>
+              </a:srgbClr>
+            </a:solidFill>
+            <a:tailEnd type="triangle"/>
+          </a:ln>
+        </p:spPr>
+        <p:style>
+          <a:lnRef idx="1">
+            <a:schemeClr val="accent1"/>
+          </a:lnRef>
+          <a:fillRef idx="0">
+            <a:schemeClr val="accent1"/>
+          </a:fillRef>
+          <a:effectRef idx="0">
+            <a:schemeClr val="accent1"/>
+          </a:effectRef>
+          <a:fontRef idx="minor">
+            <a:schemeClr val="tx1"/>
+          </a:fontRef>
+        </p:style>
+      </p:cxnSp>
+      <p:cxnSp>
+        <p:nvCxnSpPr>
+          <p:cNvPr id="45" name="꺾인 연결선[E] 44">
+            <a:extLst>
+              <a:ext uri="{FF2B5EF4-FFF2-40B4-BE49-F238E27FC236}">
+                <a16:creationId xmlns:a16="http://schemas.microsoft.com/office/drawing/2014/main" id="{0348DA96-AFC0-AC4C-8C46-8F136C7E86E5}"/>
+              </a:ext>
+            </a:extLst>
+          </p:cNvPr>
+          <p:cNvCxnSpPr>
+            <a:cxnSpLocks/>
+            <a:stCxn id="363" idx="1"/>
+            <a:endCxn id="133" idx="3"/>
+          </p:cNvCxnSpPr>
+          <p:nvPr/>
+        </p:nvCxnSpPr>
+        <p:spPr>
+          <a:xfrm rot="10800000" flipV="1">
+            <a:off x="3791629" y="4583505"/>
+            <a:ext cx="611090" cy="2834569"/>
+          </a:xfrm>
+          <a:prstGeom prst="bentConnector3">
+            <a:avLst/>
+          </a:prstGeom>
+          <a:ln>
+            <a:solidFill>
+              <a:srgbClr val="0DA2F1">
+                <a:alpha val="30000"/>
+              </a:srgbClr>
+            </a:solidFill>
+            <a:headEnd type="triangle"/>
+            <a:tailEnd type="none"/>
+          </a:ln>
+        </p:spPr>
+        <p:style>
+          <a:lnRef idx="1">
+            <a:schemeClr val="accent1"/>
+          </a:lnRef>
+          <a:fillRef idx="0">
+            <a:schemeClr val="accent1"/>
+          </a:fillRef>
+          <a:effectRef idx="0">
+            <a:schemeClr val="accent1"/>
+          </a:effectRef>
+          <a:fontRef idx="minor">
+            <a:schemeClr val="tx1"/>
+          </a:fontRef>
+        </p:style>
+      </p:cxnSp>
+      <p:cxnSp>
+        <p:nvCxnSpPr>
+          <p:cNvPr id="48" name="꺾인 연결선[E] 47">
+            <a:extLst>
+              <a:ext uri="{FF2B5EF4-FFF2-40B4-BE49-F238E27FC236}">
+                <a16:creationId xmlns:a16="http://schemas.microsoft.com/office/drawing/2014/main" id="{7F163580-3395-CD48-8231-5618604C89EB}"/>
+              </a:ext>
+            </a:extLst>
+          </p:cNvPr>
+          <p:cNvCxnSpPr>
+            <a:stCxn id="193" idx="1"/>
+            <a:endCxn id="364" idx="3"/>
+          </p:cNvCxnSpPr>
+          <p:nvPr/>
+        </p:nvCxnSpPr>
+        <p:spPr>
+          <a:xfrm rot="10800000" flipV="1">
+            <a:off x="9110424" y="10735235"/>
+            <a:ext cx="1916096" cy="567067"/>
+          </a:xfrm>
+          <a:prstGeom prst="bentConnector3">
+            <a:avLst/>
+          </a:prstGeom>
+          <a:ln>
+            <a:solidFill>
+              <a:srgbClr val="0DA2F1">
+                <a:alpha val="30000"/>
+              </a:srgbClr>
+            </a:solidFill>
+            <a:tailEnd type="triangle"/>
+          </a:ln>
+        </p:spPr>
+        <p:style>
+          <a:lnRef idx="1">
+            <a:schemeClr val="accent1"/>
+          </a:lnRef>
+          <a:fillRef idx="0">
+            <a:schemeClr val="accent1"/>
+          </a:fillRef>
+          <a:effectRef idx="0">
+            <a:schemeClr val="accent1"/>
+          </a:effectRef>
+          <a:fontRef idx="minor">
+            <a:schemeClr val="tx1"/>
+          </a:fontRef>
+        </p:style>
+      </p:cxnSp>
+      <p:cxnSp>
+        <p:nvCxnSpPr>
+          <p:cNvPr id="386" name="꺾인 연결선[E] 385">
+            <a:extLst>
+              <a:ext uri="{FF2B5EF4-FFF2-40B4-BE49-F238E27FC236}">
+                <a16:creationId xmlns:a16="http://schemas.microsoft.com/office/drawing/2014/main" id="{1709A863-31AE-1C40-B6BB-293984BFF110}"/>
+              </a:ext>
+            </a:extLst>
+          </p:cNvPr>
+          <p:cNvCxnSpPr>
+            <a:stCxn id="101" idx="1"/>
+            <a:endCxn id="16" idx="3"/>
+          </p:cNvCxnSpPr>
+          <p:nvPr/>
+        </p:nvCxnSpPr>
+        <p:spPr>
+          <a:xfrm rot="10800000">
+            <a:off x="2820343" y="4585202"/>
+            <a:ext cx="1965830" cy="2827370"/>
+          </a:xfrm>
+          <a:prstGeom prst="bentConnector3">
+            <a:avLst>
+              <a:gd name="adj1" fmla="val 39056"/>
+            </a:avLst>
+          </a:prstGeom>
+          <a:ln>
+            <a:solidFill>
+              <a:srgbClr val="0DA2F1">
+                <a:alpha val="30000"/>
+              </a:srgbClr>
+            </a:solidFill>
+            <a:tailEnd type="triangle"/>
+          </a:ln>
+        </p:spPr>
+        <p:style>
+          <a:lnRef idx="1">
+            <a:schemeClr val="accent1"/>
+          </a:lnRef>
+          <a:fillRef idx="0">
+            <a:schemeClr val="accent1"/>
+          </a:fillRef>
+          <a:effectRef idx="0">
+            <a:schemeClr val="accent1"/>
+          </a:effectRef>
+          <a:fontRef idx="minor">
+            <a:schemeClr val="tx1"/>
+          </a:fontRef>
+        </p:style>
+      </p:cxnSp>
+      <p:cxnSp>
+        <p:nvCxnSpPr>
+          <p:cNvPr id="390" name="꺾인 연결선[E] 389">
+            <a:extLst>
+              <a:ext uri="{FF2B5EF4-FFF2-40B4-BE49-F238E27FC236}">
+                <a16:creationId xmlns:a16="http://schemas.microsoft.com/office/drawing/2014/main" id="{91711267-0B85-C14E-A3DF-D647F83C8F63}"/>
+              </a:ext>
+            </a:extLst>
+          </p:cNvPr>
+          <p:cNvCxnSpPr>
+            <a:stCxn id="321" idx="3"/>
+            <a:endCxn id="364" idx="1"/>
+          </p:cNvCxnSpPr>
+          <p:nvPr/>
+        </p:nvCxnSpPr>
+        <p:spPr>
+          <a:xfrm flipV="1">
+            <a:off x="7013192" y="11302303"/>
+            <a:ext cx="569250" cy="2821327"/>
+          </a:xfrm>
+          <a:prstGeom prst="bentConnector3">
+            <a:avLst/>
+          </a:prstGeom>
+          <a:ln>
+            <a:solidFill>
+              <a:srgbClr val="0DA2F1">
+                <a:alpha val="30000"/>
+              </a:srgbClr>
+            </a:solidFill>
+            <a:tailEnd type="triangle"/>
+          </a:ln>
+        </p:spPr>
+        <p:style>
+          <a:lnRef idx="1">
+            <a:schemeClr val="accent1"/>
+          </a:lnRef>
+          <a:fillRef idx="0">
+            <a:schemeClr val="accent1"/>
+          </a:fillRef>
+          <a:effectRef idx="0">
+            <a:schemeClr val="accent1"/>
+          </a:effectRef>
+          <a:fontRef idx="minor">
+            <a:schemeClr val="tx1"/>
+          </a:fontRef>
+        </p:style>
+      </p:cxnSp>
+      <p:cxnSp>
+        <p:nvCxnSpPr>
+          <p:cNvPr id="392" name="꺾인 연결선[E] 391">
+            <a:extLst>
+              <a:ext uri="{FF2B5EF4-FFF2-40B4-BE49-F238E27FC236}">
+                <a16:creationId xmlns:a16="http://schemas.microsoft.com/office/drawing/2014/main" id="{43B03427-4B83-5F46-A70A-8031ADE87FC4}"/>
+              </a:ext>
+            </a:extLst>
+          </p:cNvPr>
+          <p:cNvCxnSpPr>
+            <a:stCxn id="329" idx="3"/>
+            <a:endCxn id="364" idx="1"/>
+          </p:cNvCxnSpPr>
+          <p:nvPr/>
+        </p:nvCxnSpPr>
+        <p:spPr>
+          <a:xfrm flipV="1">
+            <a:off x="4206099" y="11302303"/>
+            <a:ext cx="3376343" cy="2827564"/>
+          </a:xfrm>
+          <a:prstGeom prst="bentConnector3">
+            <a:avLst>
+              <a:gd name="adj1" fmla="val 11818"/>
+            </a:avLst>
+          </a:prstGeom>
+          <a:ln>
+            <a:solidFill>
+              <a:srgbClr val="0DA2F1">
+                <a:alpha val="30000"/>
+              </a:srgbClr>
+            </a:solidFill>
+            <a:tailEnd type="triangle"/>
+          </a:ln>
+        </p:spPr>
+        <p:style>
+          <a:lnRef idx="1">
+            <a:schemeClr val="accent1"/>
+          </a:lnRef>
+          <a:fillRef idx="0">
+            <a:schemeClr val="accent1"/>
+          </a:fillRef>
+          <a:effectRef idx="0">
+            <a:schemeClr val="accent1"/>
+          </a:effectRef>
+          <a:fontRef idx="minor">
+            <a:schemeClr val="tx1"/>
+          </a:fontRef>
+        </p:style>
+      </p:cxnSp>
+      <p:cxnSp>
+        <p:nvCxnSpPr>
+          <p:cNvPr id="395" name="꺾인 연결선[E] 394">
+            <a:extLst>
+              <a:ext uri="{FF2B5EF4-FFF2-40B4-BE49-F238E27FC236}">
+                <a16:creationId xmlns:a16="http://schemas.microsoft.com/office/drawing/2014/main" id="{24981773-2561-4648-9CAA-87E7DA72807C}"/>
+              </a:ext>
+            </a:extLst>
+          </p:cNvPr>
+          <p:cNvCxnSpPr>
+            <a:stCxn id="257" idx="1"/>
+            <a:endCxn id="365" idx="0"/>
+          </p:cNvCxnSpPr>
+          <p:nvPr/>
+        </p:nvCxnSpPr>
+        <p:spPr>
+          <a:xfrm rot="10800000">
+            <a:off x="5552021" y="11176824"/>
+            <a:ext cx="2254766" cy="2940546"/>
+          </a:xfrm>
+          <a:prstGeom prst="bentConnector4">
+            <a:avLst>
+              <a:gd name="adj1" fmla="val 16462"/>
+              <a:gd name="adj2" fmla="val 107774"/>
+            </a:avLst>
+          </a:prstGeom>
+          <a:ln>
+            <a:solidFill>
+              <a:srgbClr val="0DA2F1">
+                <a:alpha val="30000"/>
+              </a:srgbClr>
+            </a:solidFill>
+            <a:tailEnd type="triangle"/>
+          </a:ln>
+        </p:spPr>
+        <p:style>
+          <a:lnRef idx="1">
+            <a:schemeClr val="accent1"/>
+          </a:lnRef>
+          <a:fillRef idx="0">
+            <a:schemeClr val="accent1"/>
+          </a:fillRef>
+          <a:effectRef idx="0">
+            <a:schemeClr val="accent1"/>
+          </a:effectRef>
+          <a:fontRef idx="minor">
+            <a:schemeClr val="tx1"/>
+          </a:fontRef>
+        </p:style>
+      </p:cxnSp>
+      <p:cxnSp>
+        <p:nvCxnSpPr>
+          <p:cNvPr id="398" name="꺾인 연결선[E] 397">
+            <a:extLst>
+              <a:ext uri="{FF2B5EF4-FFF2-40B4-BE49-F238E27FC236}">
+                <a16:creationId xmlns:a16="http://schemas.microsoft.com/office/drawing/2014/main" id="{E6A53547-053E-0340-81C8-9B1540D484CF}"/>
+              </a:ext>
+            </a:extLst>
+          </p:cNvPr>
+          <p:cNvCxnSpPr>
+            <a:stCxn id="233" idx="3"/>
+            <a:endCxn id="370" idx="1"/>
+          </p:cNvCxnSpPr>
+          <p:nvPr/>
+        </p:nvCxnSpPr>
+        <p:spPr>
+          <a:xfrm flipV="1">
+            <a:off x="2518232" y="17924339"/>
+            <a:ext cx="2236307" cy="2767702"/>
+          </a:xfrm>
+          <a:prstGeom prst="bentConnector3">
+            <a:avLst>
+              <a:gd name="adj1" fmla="val 90000"/>
+            </a:avLst>
+          </a:prstGeom>
+          <a:ln>
+            <a:solidFill>
+              <a:srgbClr val="0DA2F1">
+                <a:alpha val="30000"/>
+              </a:srgbClr>
+            </a:solidFill>
+            <a:tailEnd type="triangle"/>
+          </a:ln>
+        </p:spPr>
+        <p:style>
+          <a:lnRef idx="1">
+            <a:schemeClr val="accent1"/>
+          </a:lnRef>
+          <a:fillRef idx="0">
+            <a:schemeClr val="accent1"/>
+          </a:fillRef>
+          <a:effectRef idx="0">
+            <a:schemeClr val="accent1"/>
+          </a:effectRef>
+          <a:fontRef idx="minor">
+            <a:schemeClr val="tx1"/>
+          </a:fontRef>
+        </p:style>
+      </p:cxnSp>
+      <p:cxnSp>
+        <p:nvCxnSpPr>
+          <p:cNvPr id="401" name="꺾인 연결선[E] 400">
+            <a:extLst>
+              <a:ext uri="{FF2B5EF4-FFF2-40B4-BE49-F238E27FC236}">
+                <a16:creationId xmlns:a16="http://schemas.microsoft.com/office/drawing/2014/main" id="{3A2F3442-B93C-7548-915F-CA4D9A613847}"/>
+              </a:ext>
+            </a:extLst>
+          </p:cNvPr>
+          <p:cNvCxnSpPr>
+            <a:cxnSpLocks/>
+            <a:stCxn id="220" idx="1"/>
+            <a:endCxn id="371" idx="3"/>
+          </p:cNvCxnSpPr>
+          <p:nvPr/>
+        </p:nvCxnSpPr>
+        <p:spPr>
+          <a:xfrm rot="10800000">
+            <a:off x="3339937" y="17924340"/>
+            <a:ext cx="1340654" cy="2767889"/>
+          </a:xfrm>
+          <a:prstGeom prst="bentConnector3">
+            <a:avLst>
+              <a:gd name="adj1" fmla="val 24794"/>
+            </a:avLst>
+          </a:prstGeom>
+          <a:ln>
+            <a:solidFill>
+              <a:srgbClr val="0DA2F1">
+                <a:alpha val="30000"/>
+              </a:srgbClr>
+            </a:solidFill>
+            <a:tailEnd type="triangle"/>
+          </a:ln>
+        </p:spPr>
+        <p:style>
+          <a:lnRef idx="1">
+            <a:schemeClr val="accent1"/>
+          </a:lnRef>
+          <a:fillRef idx="0">
+            <a:schemeClr val="accent1"/>
+          </a:fillRef>
+          <a:effectRef idx="0">
+            <a:schemeClr val="accent1"/>
+          </a:effectRef>
+          <a:fontRef idx="minor">
+            <a:schemeClr val="tx1"/>
+          </a:fontRef>
+        </p:style>
+      </p:cxnSp>
+      <p:cxnSp>
+        <p:nvCxnSpPr>
+          <p:cNvPr id="413" name="꺾인 연결선[E] 412">
+            <a:extLst>
+              <a:ext uri="{FF2B5EF4-FFF2-40B4-BE49-F238E27FC236}">
+                <a16:creationId xmlns:a16="http://schemas.microsoft.com/office/drawing/2014/main" id="{89D08F7A-3BD5-B940-85AA-30EDCD127680}"/>
+              </a:ext>
+            </a:extLst>
+          </p:cNvPr>
+          <p:cNvCxnSpPr>
+            <a:stCxn id="210" idx="3"/>
+            <a:endCxn id="376" idx="1"/>
+          </p:cNvCxnSpPr>
+          <p:nvPr/>
+        </p:nvCxnSpPr>
+        <p:spPr>
+          <a:xfrm flipV="1">
+            <a:off x="6879194" y="21576166"/>
+            <a:ext cx="1156629" cy="818679"/>
+          </a:xfrm>
+          <a:prstGeom prst="bentConnector3">
+            <a:avLst/>
+          </a:prstGeom>
+          <a:ln>
+            <a:solidFill>
+              <a:srgbClr val="0DA2F1">
+                <a:alpha val="30000"/>
+              </a:srgbClr>
+            </a:solidFill>
+            <a:tailEnd type="triangle"/>
+          </a:ln>
+        </p:spPr>
+        <p:style>
+          <a:lnRef idx="1">
+            <a:schemeClr val="accent1"/>
+          </a:lnRef>
+          <a:fillRef idx="0">
+            <a:schemeClr val="accent1"/>
+          </a:fillRef>
+          <a:effectRef idx="0">
+            <a:schemeClr val="accent1"/>
+          </a:effectRef>
+          <a:fontRef idx="minor">
+            <a:schemeClr val="tx1"/>
+          </a:fontRef>
+        </p:style>
+      </p:cxnSp>
+      <p:cxnSp>
+        <p:nvCxnSpPr>
+          <p:cNvPr id="415" name="꺾인 연결선[E] 414">
+            <a:extLst>
+              <a:ext uri="{FF2B5EF4-FFF2-40B4-BE49-F238E27FC236}">
+                <a16:creationId xmlns:a16="http://schemas.microsoft.com/office/drawing/2014/main" id="{20BE0E33-1A1F-7E4B-822C-68B3506064AF}"/>
+              </a:ext>
+            </a:extLst>
+          </p:cNvPr>
+          <p:cNvCxnSpPr>
+            <a:stCxn id="286" idx="3"/>
+            <a:endCxn id="373" idx="1"/>
+          </p:cNvCxnSpPr>
+          <p:nvPr/>
+        </p:nvCxnSpPr>
+        <p:spPr>
+          <a:xfrm flipV="1">
+            <a:off x="13316882" y="21559721"/>
+            <a:ext cx="680418" cy="1336682"/>
+          </a:xfrm>
+          <a:prstGeom prst="bentConnector3">
+            <a:avLst/>
+          </a:prstGeom>
+          <a:ln>
+            <a:solidFill>
+              <a:srgbClr val="0DA2F1">
+                <a:alpha val="30000"/>
+              </a:srgbClr>
+            </a:solidFill>
+            <a:tailEnd type="triangle"/>
+          </a:ln>
+        </p:spPr>
+        <p:style>
+          <a:lnRef idx="1">
+            <a:schemeClr val="accent1"/>
+          </a:lnRef>
+          <a:fillRef idx="0">
+            <a:schemeClr val="accent1"/>
+          </a:fillRef>
+          <a:effectRef idx="0">
+            <a:schemeClr val="accent1"/>
+          </a:effectRef>
+          <a:fontRef idx="minor">
+            <a:schemeClr val="tx1"/>
+          </a:fontRef>
+        </p:style>
+      </p:cxnSp>
+      <p:cxnSp>
+        <p:nvCxnSpPr>
+          <p:cNvPr id="417" name="꺾인 연결선[E] 416">
+            <a:extLst>
+              <a:ext uri="{FF2B5EF4-FFF2-40B4-BE49-F238E27FC236}">
+                <a16:creationId xmlns:a16="http://schemas.microsoft.com/office/drawing/2014/main" id="{707B721D-257F-6142-8CD1-C4DDAB3129B2}"/>
+              </a:ext>
+            </a:extLst>
+          </p:cNvPr>
+          <p:cNvCxnSpPr>
+            <a:cxnSpLocks/>
+            <a:stCxn id="213" idx="6"/>
+            <a:endCxn id="372" idx="1"/>
+          </p:cNvCxnSpPr>
+          <p:nvPr/>
+        </p:nvCxnSpPr>
+        <p:spPr>
+          <a:xfrm>
+            <a:off x="6966633" y="19221944"/>
+            <a:ext cx="4031412" cy="2337777"/>
+          </a:xfrm>
+          <a:prstGeom prst="bentConnector3">
+            <a:avLst>
+              <a:gd name="adj1" fmla="val 64113"/>
+            </a:avLst>
+          </a:prstGeom>
+          <a:ln>
+            <a:solidFill>
+              <a:srgbClr val="0DA2F1">
+                <a:alpha val="30000"/>
+              </a:srgbClr>
+            </a:solidFill>
+            <a:tailEnd type="triangle"/>
+          </a:ln>
+        </p:spPr>
+        <p:style>
+          <a:lnRef idx="1">
+            <a:schemeClr val="accent1"/>
+          </a:lnRef>
+          <a:fillRef idx="0">
+            <a:schemeClr val="accent1"/>
+          </a:fillRef>
+          <a:effectRef idx="0">
+            <a:schemeClr val="accent1"/>
+          </a:effectRef>
+          <a:fontRef idx="minor">
+            <a:schemeClr val="tx1"/>
+          </a:fontRef>
+        </p:style>
+      </p:cxnSp>
+      <p:cxnSp>
+        <p:nvCxnSpPr>
+          <p:cNvPr id="421" name="꺾인 연결선[E] 420">
+            <a:extLst>
+              <a:ext uri="{FF2B5EF4-FFF2-40B4-BE49-F238E27FC236}">
+                <a16:creationId xmlns:a16="http://schemas.microsoft.com/office/drawing/2014/main" id="{38F1B5DC-46D1-6F44-A4DF-141BF4925048}"/>
+              </a:ext>
+            </a:extLst>
+          </p:cNvPr>
+          <p:cNvCxnSpPr>
+            <a:stCxn id="219" idx="18"/>
+            <a:endCxn id="374" idx="1"/>
+          </p:cNvCxnSpPr>
+          <p:nvPr/>
+        </p:nvCxnSpPr>
+        <p:spPr>
+          <a:xfrm flipV="1">
+            <a:off x="7034873" y="17417783"/>
+            <a:ext cx="10136385" cy="2936449"/>
+          </a:xfrm>
+          <a:prstGeom prst="bentConnector3">
+            <a:avLst>
+              <a:gd name="adj1" fmla="val 96940"/>
+            </a:avLst>
+          </a:prstGeom>
+          <a:ln>
+            <a:solidFill>
+              <a:srgbClr val="0DA2F1">
+                <a:alpha val="30000"/>
+              </a:srgbClr>
+            </a:solidFill>
+            <a:tailEnd type="triangle"/>
+          </a:ln>
+        </p:spPr>
+        <p:style>
+          <a:lnRef idx="1">
+            <a:schemeClr val="accent1"/>
+          </a:lnRef>
+          <a:fillRef idx="0">
+            <a:schemeClr val="accent1"/>
+          </a:fillRef>
+          <a:effectRef idx="0">
+            <a:schemeClr val="accent1"/>
+          </a:effectRef>
+          <a:fontRef idx="minor">
+            <a:schemeClr val="tx1"/>
+          </a:fontRef>
+        </p:style>
+      </p:cxnSp>
+      <p:cxnSp>
+        <p:nvCxnSpPr>
+          <p:cNvPr id="424" name="꺾인 연결선[E] 423">
+            <a:extLst>
+              <a:ext uri="{FF2B5EF4-FFF2-40B4-BE49-F238E27FC236}">
+                <a16:creationId xmlns:a16="http://schemas.microsoft.com/office/drawing/2014/main" id="{9965F6A7-E89D-2C48-9D2D-6AF046C8BBEE}"/>
+              </a:ext>
+            </a:extLst>
+          </p:cNvPr>
+          <p:cNvCxnSpPr>
+            <a:stCxn id="204" idx="3"/>
+            <a:endCxn id="376" idx="1"/>
+          </p:cNvCxnSpPr>
+          <p:nvPr/>
+        </p:nvCxnSpPr>
+        <p:spPr>
+          <a:xfrm>
+            <a:off x="6786778" y="21428446"/>
+            <a:ext cx="1249045" cy="147720"/>
+          </a:xfrm>
+          <a:prstGeom prst="bentConnector3">
+            <a:avLst>
+              <a:gd name="adj1" fmla="val 39373"/>
+            </a:avLst>
+          </a:prstGeom>
+          <a:ln>
+            <a:solidFill>
+              <a:srgbClr val="0DA2F1">
+                <a:alpha val="30000"/>
+              </a:srgbClr>
+            </a:solidFill>
+            <a:tailEnd type="triangle"/>
+          </a:ln>
+        </p:spPr>
+        <p:style>
+          <a:lnRef idx="1">
+            <a:schemeClr val="accent1"/>
+          </a:lnRef>
+          <a:fillRef idx="0">
+            <a:schemeClr val="accent1"/>
+          </a:fillRef>
+          <a:effectRef idx="0">
+            <a:schemeClr val="accent1"/>
+          </a:effectRef>
+          <a:fontRef idx="minor">
+            <a:schemeClr val="tx1"/>
+          </a:fontRef>
+        </p:style>
+      </p:cxnSp>
     </p:spTree>
     <p:extLst>
       <p:ext uri="{BB962C8B-B14F-4D97-AF65-F5344CB8AC3E}">
@@ -21237,7 +22877,36 @@
       </a:bgFillStyleLst>
     </a:fmtScheme>
   </a:themeElements>
-  <a:objectDefaults/>
+  <a:objectDefaults>
+    <a:lnDef>
+      <a:spPr>
+        <a:ln>
+          <a:solidFill>
+            <a:srgbClr val="0DA2F1">
+              <a:alpha val="30000"/>
+            </a:srgbClr>
+          </a:solidFill>
+          <a:tailEnd type="triangle"/>
+        </a:ln>
+      </a:spPr>
+      <a:bodyPr/>
+      <a:lstStyle/>
+      <a:style>
+        <a:lnRef idx="1">
+          <a:schemeClr val="accent1"/>
+        </a:lnRef>
+        <a:fillRef idx="0">
+          <a:schemeClr val="accent1"/>
+        </a:fillRef>
+        <a:effectRef idx="0">
+          <a:schemeClr val="accent1"/>
+        </a:effectRef>
+        <a:fontRef idx="minor">
+          <a:schemeClr val="tx1"/>
+        </a:fontRef>
+      </a:style>
+    </a:lnDef>
+  </a:objectDefaults>
   <a:extraClrSchemeLst/>
   <a:extLst>
     <a:ext uri="{05A4C25C-085E-4340-85A3-A5531E510DB2}">

--- a/Documents/Poster.pptx
+++ b/Documents/Poster.pptx
@@ -5392,7 +5392,7 @@
         </p:nvSpPr>
         <p:spPr>
           <a:xfrm>
-            <a:off x="6955289" y="4643308"/>
+            <a:off x="6955289" y="4562626"/>
             <a:ext cx="10374897" cy="3354765"/>
           </a:xfrm>
           <a:prstGeom prst="rect">

--- a/Documents/Poster.pptx
+++ b/Documents/Poster.pptx
@@ -254,7 +254,7 @@
           <a:p>
             <a:fld id="{B1D5E722-59D6-5C4C-9B44-D4AE14C56B27}" type="datetimeFigureOut">
               <a:rPr kumimoji="1" lang="ko-KR" altLang="en-US" smtClean="0"/>
-              <a:t>2019. 6. 17.</a:t>
+              <a:t>2019. 6. 18.</a:t>
             </a:fld>
             <a:endParaRPr kumimoji="1" lang="ko-KR" altLang="en-US"/>
           </a:p>
@@ -400,7 +400,7 @@
           <a:p>
             <a:fld id="{B1D5E722-59D6-5C4C-9B44-D4AE14C56B27}" type="datetimeFigureOut">
               <a:rPr kumimoji="1" lang="ko-KR" altLang="en-US" smtClean="0"/>
-              <a:t>2019. 6. 17.</a:t>
+              <a:t>2019. 6. 18.</a:t>
             </a:fld>
             <a:endParaRPr kumimoji="1" lang="ko-KR" altLang="en-US"/>
           </a:p>
@@ -556,7 +556,7 @@
           <a:p>
             <a:fld id="{B1D5E722-59D6-5C4C-9B44-D4AE14C56B27}" type="datetimeFigureOut">
               <a:rPr kumimoji="1" lang="ko-KR" altLang="en-US" smtClean="0"/>
-              <a:t>2019. 6. 17.</a:t>
+              <a:t>2019. 6. 18.</a:t>
             </a:fld>
             <a:endParaRPr kumimoji="1" lang="ko-KR" altLang="en-US"/>
           </a:p>
@@ -702,7 +702,7 @@
           <a:p>
             <a:fld id="{B1D5E722-59D6-5C4C-9B44-D4AE14C56B27}" type="datetimeFigureOut">
               <a:rPr kumimoji="1" lang="ko-KR" altLang="en-US" smtClean="0"/>
-              <a:t>2019. 6. 17.</a:t>
+              <a:t>2019. 6. 18.</a:t>
             </a:fld>
             <a:endParaRPr kumimoji="1" lang="ko-KR" altLang="en-US"/>
           </a:p>
@@ -951,7 +951,7 @@
           <a:p>
             <a:fld id="{B1D5E722-59D6-5C4C-9B44-D4AE14C56B27}" type="datetimeFigureOut">
               <a:rPr kumimoji="1" lang="ko-KR" altLang="en-US" smtClean="0"/>
-              <a:t>2019. 6. 17.</a:t>
+              <a:t>2019. 6. 18.</a:t>
             </a:fld>
             <a:endParaRPr kumimoji="1" lang="ko-KR" altLang="en-US"/>
           </a:p>
@@ -1135,7 +1135,7 @@
           <a:p>
             <a:fld id="{B1D5E722-59D6-5C4C-9B44-D4AE14C56B27}" type="datetimeFigureOut">
               <a:rPr kumimoji="1" lang="ko-KR" altLang="en-US" smtClean="0"/>
-              <a:t>2019. 6. 17.</a:t>
+              <a:t>2019. 6. 18.</a:t>
             </a:fld>
             <a:endParaRPr kumimoji="1" lang="ko-KR" altLang="en-US"/>
           </a:p>
@@ -1464,7 +1464,7 @@
           <a:p>
             <a:fld id="{B1D5E722-59D6-5C4C-9B44-D4AE14C56B27}" type="datetimeFigureOut">
               <a:rPr kumimoji="1" lang="ko-KR" altLang="en-US" smtClean="0"/>
-              <a:t>2019. 6. 17.</a:t>
+              <a:t>2019. 6. 18.</a:t>
             </a:fld>
             <a:endParaRPr kumimoji="1" lang="ko-KR" altLang="en-US"/>
           </a:p>
@@ -1582,7 +1582,7 @@
           <a:p>
             <a:fld id="{B1D5E722-59D6-5C4C-9B44-D4AE14C56B27}" type="datetimeFigureOut">
               <a:rPr kumimoji="1" lang="ko-KR" altLang="en-US" smtClean="0"/>
-              <a:t>2019. 6. 17.</a:t>
+              <a:t>2019. 6. 18.</a:t>
             </a:fld>
             <a:endParaRPr kumimoji="1" lang="ko-KR" altLang="en-US"/>
           </a:p>
@@ -1677,7 +1677,7 @@
           <a:p>
             <a:fld id="{B1D5E722-59D6-5C4C-9B44-D4AE14C56B27}" type="datetimeFigureOut">
               <a:rPr kumimoji="1" lang="ko-KR" altLang="en-US" smtClean="0"/>
-              <a:t>2019. 6. 17.</a:t>
+              <a:t>2019. 6. 18.</a:t>
             </a:fld>
             <a:endParaRPr kumimoji="1" lang="ko-KR" altLang="en-US"/>
           </a:p>
@@ -1935,7 +1935,7 @@
           <a:p>
             <a:fld id="{B1D5E722-59D6-5C4C-9B44-D4AE14C56B27}" type="datetimeFigureOut">
               <a:rPr kumimoji="1" lang="ko-KR" altLang="en-US" smtClean="0"/>
-              <a:t>2019. 6. 17.</a:t>
+              <a:t>2019. 6. 18.</a:t>
             </a:fld>
             <a:endParaRPr kumimoji="1" lang="ko-KR" altLang="en-US"/>
           </a:p>
@@ -2197,7 +2197,7 @@
           <a:p>
             <a:fld id="{B1D5E722-59D6-5C4C-9B44-D4AE14C56B27}" type="datetimeFigureOut">
               <a:rPr kumimoji="1" lang="ko-KR" altLang="en-US" smtClean="0"/>
-              <a:t>2019. 6. 17.</a:t>
+              <a:t>2019. 6. 18.</a:t>
             </a:fld>
             <a:endParaRPr kumimoji="1" lang="ko-KR" altLang="en-US"/>
           </a:p>
@@ -2389,7 +2389,7 @@
           <a:p>
             <a:fld id="{B1D5E722-59D6-5C4C-9B44-D4AE14C56B27}" type="datetimeFigureOut">
               <a:rPr kumimoji="1" lang="ko-KR" altLang="en-US" smtClean="0"/>
-              <a:t>2019. 6. 17.</a:t>
+              <a:t>2019. 6. 18.</a:t>
             </a:fld>
             <a:endParaRPr kumimoji="1" lang="ko-KR" altLang="en-US"/>
           </a:p>
@@ -2816,7 +2816,7 @@
         </p:nvSpPr>
         <p:spPr>
           <a:xfrm>
-            <a:off x="684234" y="16775868"/>
+            <a:off x="684234" y="16895139"/>
             <a:ext cx="7539953" cy="9910405"/>
           </a:xfrm>
           <a:prstGeom prst="rect">
@@ -3368,7 +3368,7 @@
         </p:nvGrpSpPr>
         <p:grpSpPr>
           <a:xfrm>
-            <a:off x="1623085" y="17801228"/>
+            <a:off x="1623085" y="17920499"/>
             <a:ext cx="2644346" cy="6111080"/>
             <a:chOff x="12285766" y="13821232"/>
             <a:chExt cx="2644346" cy="6111080"/>
@@ -5199,7 +5199,7 @@
         </p:nvSpPr>
         <p:spPr>
           <a:xfrm>
-            <a:off x="8584528" y="27978733"/>
+            <a:off x="8584528" y="28098004"/>
             <a:ext cx="4275529" cy="1800493"/>
           </a:xfrm>
           <a:prstGeom prst="rect">
@@ -5392,7 +5392,7 @@
         </p:nvSpPr>
         <p:spPr>
           <a:xfrm>
-            <a:off x="6955289" y="4562626"/>
+            <a:off x="6955289" y="4642140"/>
             <a:ext cx="10374897" cy="3354765"/>
           </a:xfrm>
           <a:prstGeom prst="rect">
@@ -5704,7 +5704,7 @@
         </p:nvSpPr>
         <p:spPr>
           <a:xfrm>
-            <a:off x="13844359" y="13298303"/>
+            <a:off x="13844359" y="13377817"/>
             <a:ext cx="6575800" cy="2200603"/>
           </a:xfrm>
           <a:prstGeom prst="rect">
@@ -5900,7 +5900,7 @@
         </p:nvSpPr>
         <p:spPr>
           <a:xfrm>
-            <a:off x="3686577" y="9054471"/>
+            <a:off x="3686577" y="9133985"/>
             <a:ext cx="6380451" cy="1661993"/>
           </a:xfrm>
           <a:prstGeom prst="rect">
@@ -6237,7 +6237,7 @@
         </p:nvCxnSpPr>
         <p:spPr>
           <a:xfrm>
-            <a:off x="1197946" y="4014349"/>
+            <a:off x="1197946" y="4093863"/>
             <a:ext cx="19295011" cy="0"/>
           </a:xfrm>
           <a:prstGeom prst="line">
@@ -6280,7 +6280,7 @@
         </p:nvCxnSpPr>
         <p:spPr>
           <a:xfrm>
-            <a:off x="1197946" y="27587259"/>
+            <a:off x="1197946" y="27666773"/>
             <a:ext cx="19295011" cy="0"/>
           </a:xfrm>
           <a:prstGeom prst="line">
@@ -6372,7 +6372,7 @@
         </p:nvGrpSpPr>
         <p:grpSpPr>
           <a:xfrm>
-            <a:off x="1779673" y="4462091"/>
+            <a:off x="1779673" y="4541605"/>
             <a:ext cx="2575429" cy="3580583"/>
             <a:chOff x="1602091" y="4261610"/>
             <a:chExt cx="2575429" cy="3580583"/>
@@ -7115,7 +7115,7 @@
         </p:nvGrpSpPr>
         <p:grpSpPr>
           <a:xfrm>
-            <a:off x="4402719" y="4460395"/>
+            <a:off x="4402719" y="4539909"/>
             <a:ext cx="2408864" cy="3376447"/>
             <a:chOff x="4182731" y="4261610"/>
             <a:chExt cx="2408864" cy="3376447"/>
@@ -7739,7 +7739,7 @@
         </p:nvGrpSpPr>
         <p:grpSpPr>
           <a:xfrm>
-            <a:off x="7582442" y="11179192"/>
+            <a:off x="7582442" y="11258706"/>
             <a:ext cx="2442116" cy="4165904"/>
             <a:chOff x="7809389" y="7840683"/>
             <a:chExt cx="2442116" cy="4165904"/>
@@ -8487,7 +8487,7 @@
         </p:nvGrpSpPr>
         <p:grpSpPr>
           <a:xfrm>
-            <a:off x="4687045" y="11176824"/>
+            <a:off x="4687045" y="11256338"/>
             <a:ext cx="2598175" cy="4277387"/>
             <a:chOff x="4953418" y="9782993"/>
             <a:chExt cx="2598175" cy="4277387"/>
@@ -9349,7 +9349,7 @@
         </p:nvGrpSpPr>
         <p:grpSpPr>
           <a:xfrm>
-            <a:off x="1864994" y="11176824"/>
+            <a:off x="1864994" y="11256338"/>
             <a:ext cx="2669836" cy="4258009"/>
             <a:chOff x="2183050" y="9782993"/>
             <a:chExt cx="2669836" cy="4258009"/>
@@ -10097,7 +10097,7 @@
         </p:nvGrpSpPr>
         <p:grpSpPr>
           <a:xfrm>
-            <a:off x="10635589" y="9121272"/>
+            <a:off x="10635589" y="9200786"/>
             <a:ext cx="2644346" cy="5745917"/>
             <a:chOff x="10886265" y="7349530"/>
             <a:chExt cx="2644346" cy="5745917"/>
@@ -13474,7 +13474,7 @@
         </p:nvGrpSpPr>
         <p:grpSpPr>
           <a:xfrm>
-            <a:off x="4547524" y="17801228"/>
+            <a:off x="4547524" y="17920499"/>
             <a:ext cx="2644346" cy="6115500"/>
             <a:chOff x="9372409" y="13870929"/>
             <a:chExt cx="2644346" cy="6115500"/>
@@ -15240,7 +15240,7 @@
         </p:nvGrpSpPr>
         <p:grpSpPr>
           <a:xfrm>
-            <a:off x="10998045" y="21436610"/>
+            <a:off x="10998045" y="21555881"/>
             <a:ext cx="2504236" cy="5655994"/>
             <a:chOff x="5848049" y="14494046"/>
             <a:chExt cx="2504236" cy="5655994"/>
@@ -16008,7 +16008,7 @@
         </p:nvGrpSpPr>
         <p:grpSpPr>
           <a:xfrm>
-            <a:off x="13997300" y="21436610"/>
+            <a:off x="13997300" y="21555881"/>
             <a:ext cx="2431983" cy="3705922"/>
             <a:chOff x="2773363" y="15680634"/>
             <a:chExt cx="2431983" cy="3705922"/>
@@ -16558,7 +16558,7 @@
         </p:nvGrpSpPr>
         <p:grpSpPr>
           <a:xfrm>
-            <a:off x="17171258" y="17294672"/>
+            <a:off x="17171258" y="17413943"/>
             <a:ext cx="2403951" cy="2701426"/>
             <a:chOff x="15288708" y="13169633"/>
             <a:chExt cx="2403951" cy="2701426"/>
@@ -17199,10 +17199,10 @@
         </p:nvGrpSpPr>
         <p:grpSpPr>
           <a:xfrm>
-            <a:off x="17110135" y="20122106"/>
-            <a:ext cx="2571428" cy="5702890"/>
-            <a:chOff x="17765128" y="13169633"/>
-            <a:chExt cx="2571428" cy="5702890"/>
+            <a:off x="17084842" y="20241377"/>
+            <a:ext cx="2596720" cy="5702890"/>
+            <a:chOff x="17739835" y="13169633"/>
+            <a:chExt cx="2596720" cy="5702890"/>
           </a:xfrm>
         </p:grpSpPr>
         <p:grpSp>
@@ -17219,10 +17219,10 @@
           </p:nvGrpSpPr>
           <p:grpSpPr>
             <a:xfrm>
-              <a:off x="17765128" y="13349548"/>
-              <a:ext cx="2571428" cy="5522975"/>
-              <a:chOff x="18240316" y="16642080"/>
-              <a:chExt cx="2571428" cy="5522975"/>
+              <a:off x="17739835" y="13349548"/>
+              <a:ext cx="2596720" cy="5522975"/>
+              <a:chOff x="18215023" y="16642080"/>
+              <a:chExt cx="2596720" cy="5522975"/>
             </a:xfrm>
           </p:grpSpPr>
           <p:grpSp>
@@ -17569,18 +17569,7 @@
                         </a:schemeClr>
                       </a:solidFill>
                     </a:rPr>
-                    <a:t> 엔</a:t>
-                  </a:r>
-                  <a:r>
-                    <a:rPr kumimoji="1" lang="en-US" altLang="ko-KR" sz="1100" b="1" u="sng" dirty="0">
-                      <a:solidFill>
-                        <a:schemeClr val="tx1">
-                          <a:lumMod val="75000"/>
-                          <a:lumOff val="25000"/>
-                        </a:schemeClr>
-                      </a:solidFill>
-                    </a:rPr>
-                    <a:t>	</a:t>
+                    <a:t>엔 </a:t>
                   </a:r>
                   <a:r>
                     <a:rPr kumimoji="1" lang="ko-KR" altLang="en-US" sz="1100" b="1" dirty="0">
@@ -17591,7 +17580,7 @@
                         </a:schemeClr>
                       </a:solidFill>
                     </a:rPr>
-                    <a:t>            </a:t>
+                    <a:t>                          </a:t>
                   </a:r>
                   <a:r>
                     <a:rPr kumimoji="1" lang="ko-KR" altLang="en-US" sz="1000" b="1" dirty="0">
@@ -17864,7 +17853,7 @@
                     <a:t> </a:t>
                   </a:r>
                   <a:r>
-                    <a:rPr kumimoji="1" lang="ko-KR" altLang="en-US" sz="1100" b="1" u="sng" dirty="0">
+                    <a:rPr kumimoji="1" lang="ko-KR" altLang="en-US" sz="1000" b="1" u="sng" dirty="0">
                       <a:solidFill>
                         <a:schemeClr val="tx1">
                           <a:lumMod val="75000"/>
@@ -17872,10 +17861,10 @@
                         </a:schemeClr>
                       </a:solidFill>
                     </a:rPr>
-                    <a:t> 달러</a:t>
+                    <a:t> 달러 </a:t>
                   </a:r>
                   <a:r>
-                    <a:rPr kumimoji="1" lang="ko-KR" altLang="en-US" sz="1100" b="1" dirty="0">
+                    <a:rPr kumimoji="1" lang="ko-KR" altLang="en-US" sz="1000" b="1" dirty="0">
                       <a:solidFill>
                         <a:schemeClr val="tx1">
                           <a:lumMod val="75000"/>
@@ -17883,7 +17872,7 @@
                         </a:schemeClr>
                       </a:solidFill>
                     </a:rPr>
-                    <a:t>            </a:t>
+                    <a:t>                        </a:t>
                   </a:r>
                   <a:r>
                     <a:rPr kumimoji="1" lang="ko-KR" altLang="en-US" sz="1000" b="1" dirty="0">
@@ -18261,18 +18250,7 @@
                         </a:schemeClr>
                       </a:solidFill>
                     </a:rPr>
-                    <a:t> 원</a:t>
-                  </a:r>
-                  <a:r>
-                    <a:rPr kumimoji="1" lang="en-US" altLang="ko-KR" sz="1100" b="1" u="sng" dirty="0">
-                      <a:solidFill>
-                        <a:schemeClr val="tx1">
-                          <a:lumMod val="75000"/>
-                          <a:lumOff val="25000"/>
-                        </a:schemeClr>
-                      </a:solidFill>
-                    </a:rPr>
-                    <a:t>	</a:t>
+                    <a:t> 원 </a:t>
                   </a:r>
                   <a:r>
                     <a:rPr kumimoji="1" lang="ko-KR" altLang="en-US" sz="1100" b="1" dirty="0">
@@ -18283,7 +18261,7 @@
                         </a:schemeClr>
                       </a:solidFill>
                     </a:rPr>
-                    <a:t>            </a:t>
+                    <a:t>                          </a:t>
                   </a:r>
                   <a:r>
                     <a:rPr kumimoji="1" lang="ko-KR" altLang="en-US" sz="1000" b="1" dirty="0">
@@ -19054,8 +19032,8 @@
             </p:nvSpPr>
             <p:spPr>
               <a:xfrm>
-                <a:off x="18240316" y="16642080"/>
-                <a:ext cx="2571428" cy="5522975"/>
+                <a:off x="18215023" y="16642080"/>
+                <a:ext cx="2596720" cy="5522975"/>
               </a:xfrm>
               <a:prstGeom prst="rect">
                 <a:avLst/>
@@ -19160,7 +19138,7 @@
         </p:nvGrpSpPr>
         <p:grpSpPr>
           <a:xfrm>
-            <a:off x="8028743" y="21453055"/>
+            <a:off x="8028743" y="21572326"/>
             <a:ext cx="2418111" cy="5548939"/>
             <a:chOff x="15213280" y="17034913"/>
             <a:chExt cx="2418111" cy="5548939"/>
@@ -20655,7 +20633,7 @@
         </p:blipFill>
         <p:spPr>
           <a:xfrm>
-            <a:off x="18300800" y="4222822"/>
+            <a:off x="18300800" y="4302336"/>
             <a:ext cx="1608877" cy="1608877"/>
           </a:xfrm>
           <a:prstGeom prst="rect">
@@ -20677,7 +20655,7 @@
         </p:nvCxnSpPr>
         <p:spPr>
           <a:xfrm>
-            <a:off x="1197946" y="16076154"/>
+            <a:off x="1197946" y="16235182"/>
             <a:ext cx="19295011" cy="0"/>
           </a:xfrm>
           <a:prstGeom prst="line">
@@ -20722,7 +20700,7 @@
         </p:nvCxnSpPr>
         <p:spPr>
           <a:xfrm>
-            <a:off x="1197946" y="8561891"/>
+            <a:off x="1197946" y="8681162"/>
             <a:ext cx="12335174" cy="0"/>
           </a:xfrm>
           <a:prstGeom prst="line">
@@ -20767,7 +20745,7 @@
         </p:nvCxnSpPr>
         <p:spPr>
           <a:xfrm>
-            <a:off x="13780163" y="12772504"/>
+            <a:off x="13780163" y="12852018"/>
             <a:ext cx="6712794" cy="0"/>
           </a:xfrm>
           <a:prstGeom prst="line">
@@ -20810,7 +20788,7 @@
         </p:nvSpPr>
         <p:spPr>
           <a:xfrm>
-            <a:off x="14025692" y="4169931"/>
+            <a:off x="14025692" y="4249445"/>
             <a:ext cx="4227491" cy="2000548"/>
           </a:xfrm>
           <a:prstGeom prst="rect">
@@ -20987,7 +20965,7 @@
         </p:nvSpPr>
         <p:spPr>
           <a:xfrm>
-            <a:off x="7660352" y="16905713"/>
+            <a:off x="7660352" y="17024984"/>
             <a:ext cx="9304582" cy="4247317"/>
           </a:xfrm>
           <a:prstGeom prst="rect">
@@ -21906,7 +21884,7 @@
         <p:spPr>
           <a:xfrm rot="10800000" flipV="1">
             <a:off x="12026174" y="8145469"/>
-            <a:ext cx="2732814" cy="1098914"/>
+            <a:ext cx="2732814" cy="1178428"/>
           </a:xfrm>
           <a:prstGeom prst="bentConnector3">
             <a:avLst/>
@@ -21999,7 +21977,7 @@
         </p:nvCxnSpPr>
         <p:spPr>
           <a:xfrm rot="10800000" flipV="1">
-            <a:off x="3791629" y="4583505"/>
+            <a:off x="3791629" y="4663019"/>
             <a:ext cx="611090" cy="2834569"/>
           </a:xfrm>
           <a:prstGeom prst="bentConnector3">
@@ -22047,7 +22025,7 @@
         </p:nvCxnSpPr>
         <p:spPr>
           <a:xfrm rot="10800000" flipV="1">
-            <a:off x="9110424" y="10735235"/>
+            <a:off x="9110424" y="10814749"/>
             <a:ext cx="1916096" cy="567067"/>
           </a:xfrm>
           <a:prstGeom prst="bentConnector3">
@@ -22094,7 +22072,7 @@
         </p:nvCxnSpPr>
         <p:spPr>
           <a:xfrm rot="10800000">
-            <a:off x="2820343" y="4585202"/>
+            <a:off x="2820343" y="4664716"/>
             <a:ext cx="1965830" cy="2827370"/>
           </a:xfrm>
           <a:prstGeom prst="bentConnector3">
@@ -22143,7 +22121,7 @@
         </p:nvCxnSpPr>
         <p:spPr>
           <a:xfrm flipV="1">
-            <a:off x="7013192" y="11302303"/>
+            <a:off x="7013192" y="11381817"/>
             <a:ext cx="569250" cy="2821327"/>
           </a:xfrm>
           <a:prstGeom prst="bentConnector3">
@@ -22190,7 +22168,7 @@
         </p:nvCxnSpPr>
         <p:spPr>
           <a:xfrm flipV="1">
-            <a:off x="4206099" y="11302303"/>
+            <a:off x="4206099" y="11381817"/>
             <a:ext cx="3376343" cy="2827564"/>
           </a:xfrm>
           <a:prstGeom prst="bentConnector3">
@@ -22239,7 +22217,7 @@
         </p:nvCxnSpPr>
         <p:spPr>
           <a:xfrm rot="10800000">
-            <a:off x="5552021" y="11176824"/>
+            <a:off x="5552021" y="11256338"/>
             <a:ext cx="2254766" cy="2940546"/>
           </a:xfrm>
           <a:prstGeom prst="bentConnector4">
@@ -22289,7 +22267,7 @@
         </p:nvCxnSpPr>
         <p:spPr>
           <a:xfrm flipV="1">
-            <a:off x="2518232" y="17924339"/>
+            <a:off x="2518232" y="18043610"/>
             <a:ext cx="2236307" cy="2767702"/>
           </a:xfrm>
           <a:prstGeom prst="bentConnector3">
@@ -22339,7 +22317,7 @@
         </p:nvCxnSpPr>
         <p:spPr>
           <a:xfrm rot="10800000">
-            <a:off x="3339937" y="17924340"/>
+            <a:off x="3339937" y="18043611"/>
             <a:ext cx="1340654" cy="2767889"/>
           </a:xfrm>
           <a:prstGeom prst="bentConnector3">
@@ -22388,7 +22366,7 @@
         </p:nvCxnSpPr>
         <p:spPr>
           <a:xfrm flipV="1">
-            <a:off x="6879194" y="21576166"/>
+            <a:off x="6879194" y="21695437"/>
             <a:ext cx="1156629" cy="818679"/>
           </a:xfrm>
           <a:prstGeom prst="bentConnector3">
@@ -22435,7 +22413,7 @@
         </p:nvCxnSpPr>
         <p:spPr>
           <a:xfrm flipV="1">
-            <a:off x="13316882" y="21559721"/>
+            <a:off x="13316882" y="21678992"/>
             <a:ext cx="680418" cy="1336682"/>
           </a:xfrm>
           <a:prstGeom prst="bentConnector3">
@@ -22483,7 +22461,7 @@
         </p:nvCxnSpPr>
         <p:spPr>
           <a:xfrm>
-            <a:off x="6966633" y="19221944"/>
+            <a:off x="6966633" y="19341215"/>
             <a:ext cx="4031412" cy="2337777"/>
           </a:xfrm>
           <a:prstGeom prst="bentConnector3">
@@ -22532,7 +22510,7 @@
         </p:nvCxnSpPr>
         <p:spPr>
           <a:xfrm flipV="1">
-            <a:off x="7034873" y="17417783"/>
+            <a:off x="7034873" y="17537054"/>
             <a:ext cx="10136385" cy="2936449"/>
           </a:xfrm>
           <a:prstGeom prst="bentConnector3">
@@ -22581,7 +22559,7 @@
         </p:nvCxnSpPr>
         <p:spPr>
           <a:xfrm>
-            <a:off x="6786778" y="21428446"/>
+            <a:off x="6786778" y="21547717"/>
             <a:ext cx="1249045" cy="147720"/>
           </a:xfrm>
           <a:prstGeom prst="bentConnector3">
